--- a/root/Ізотов_Презентация.pptx
+++ b/root/Ізотов_Презентация.pptx
@@ -127,7 +127,7 @@
   </p:defaultTextStyle>
   <p:extLst>
     <p:ext uri="{EFAFB233-063F-42B5-8137-9DF3F51BA10A}">
-      <p15:sldGuideLst xmlns:p15="http://schemas.microsoft.com/office/powerpoint/2012/main">
+      <p15:sldGuideLst xmlns:p15="http://schemas.microsoft.com/office/powerpoint/2012/main" xmlns="">
         <p15:guide id="1" orient="horz" pos="2160">
           <p15:clr>
             <a:srgbClr val="A4A3A4"/>
@@ -4237,6 +4237,13 @@
         </dgm:presLayoutVars>
       </dgm:prSet>
       <dgm:spPr/>
+      <dgm:t>
+        <a:bodyPr/>
+        <a:lstStyle/>
+        <a:p>
+          <a:endParaRPr lang="uk-UA"/>
+        </a:p>
+      </dgm:t>
     </dgm:pt>
     <dgm:pt modelId="{07FD6B4B-92D6-4CF7-BCA2-0BECDE064E77}" type="pres">
       <dgm:prSet presAssocID="{A90B3B45-333D-4BB8-90AF-3157034879C2}" presName="compNode" presStyleCnt="0"/>
@@ -4245,10 +4252,24 @@
     <dgm:pt modelId="{BC248DE9-DF42-4FDB-9CC4-068DA6C50575}" type="pres">
       <dgm:prSet presAssocID="{A90B3B45-333D-4BB8-90AF-3157034879C2}" presName="aNode" presStyleLbl="bgShp" presStyleIdx="0" presStyleCnt="4"/>
       <dgm:spPr/>
+      <dgm:t>
+        <a:bodyPr/>
+        <a:lstStyle/>
+        <a:p>
+          <a:endParaRPr lang="uk-UA"/>
+        </a:p>
+      </dgm:t>
     </dgm:pt>
     <dgm:pt modelId="{1987D25C-6EA6-43AF-BF7C-07181846381C}" type="pres">
       <dgm:prSet presAssocID="{A90B3B45-333D-4BB8-90AF-3157034879C2}" presName="textNode" presStyleLbl="bgShp" presStyleIdx="0" presStyleCnt="4"/>
       <dgm:spPr/>
+      <dgm:t>
+        <a:bodyPr/>
+        <a:lstStyle/>
+        <a:p>
+          <a:endParaRPr lang="uk-UA"/>
+        </a:p>
+      </dgm:t>
     </dgm:pt>
     <dgm:pt modelId="{BC4276E3-40AE-4A3C-A1AC-75AC7F8F7429}" type="pres">
       <dgm:prSet presAssocID="{A90B3B45-333D-4BB8-90AF-3157034879C2}" presName="compChildNode" presStyleCnt="0"/>
@@ -4265,6 +4286,13 @@
         </dgm:presLayoutVars>
       </dgm:prSet>
       <dgm:spPr/>
+      <dgm:t>
+        <a:bodyPr/>
+        <a:lstStyle/>
+        <a:p>
+          <a:endParaRPr lang="uk-UA"/>
+        </a:p>
+      </dgm:t>
     </dgm:pt>
     <dgm:pt modelId="{5E7FD7DD-9434-4FD9-B0FF-F0BE4FE8291F}" type="pres">
       <dgm:prSet presAssocID="{15D2766E-E076-4AFB-A3F3-9CB20F1C2458}" presName="aSpace2" presStyleCnt="0"/>
@@ -4277,6 +4305,13 @@
         </dgm:presLayoutVars>
       </dgm:prSet>
       <dgm:spPr/>
+      <dgm:t>
+        <a:bodyPr/>
+        <a:lstStyle/>
+        <a:p>
+          <a:endParaRPr lang="uk-UA"/>
+        </a:p>
+      </dgm:t>
     </dgm:pt>
     <dgm:pt modelId="{D995DADC-87C7-4176-A784-102A7D92A9A9}" type="pres">
       <dgm:prSet presAssocID="{43784ADD-C1E3-4054-92F8-6FBFD5231E8B}" presName="aSpace2" presStyleCnt="0"/>
@@ -4289,6 +4324,13 @@
         </dgm:presLayoutVars>
       </dgm:prSet>
       <dgm:spPr/>
+      <dgm:t>
+        <a:bodyPr/>
+        <a:lstStyle/>
+        <a:p>
+          <a:endParaRPr lang="uk-UA"/>
+        </a:p>
+      </dgm:t>
     </dgm:pt>
     <dgm:pt modelId="{D0C6414F-116A-4E75-ABA5-2B495E96AEB0}" type="pres">
       <dgm:prSet presAssocID="{A90B3B45-333D-4BB8-90AF-3157034879C2}" presName="aSpace" presStyleCnt="0"/>
@@ -4301,10 +4343,24 @@
     <dgm:pt modelId="{577EF2EE-C7A7-4D63-A8AA-02F5F3A89650}" type="pres">
       <dgm:prSet presAssocID="{0CA45587-B766-4DA6-8C4A-AB1F5DEE60A8}" presName="aNode" presStyleLbl="bgShp" presStyleIdx="1" presStyleCnt="4"/>
       <dgm:spPr/>
+      <dgm:t>
+        <a:bodyPr/>
+        <a:lstStyle/>
+        <a:p>
+          <a:endParaRPr lang="uk-UA"/>
+        </a:p>
+      </dgm:t>
     </dgm:pt>
     <dgm:pt modelId="{8ABBD8A4-3E67-41BD-848D-0883A77FC6B5}" type="pres">
       <dgm:prSet presAssocID="{0CA45587-B766-4DA6-8C4A-AB1F5DEE60A8}" presName="textNode" presStyleLbl="bgShp" presStyleIdx="1" presStyleCnt="4"/>
       <dgm:spPr/>
+      <dgm:t>
+        <a:bodyPr/>
+        <a:lstStyle/>
+        <a:p>
+          <a:endParaRPr lang="uk-UA"/>
+        </a:p>
+      </dgm:t>
     </dgm:pt>
     <dgm:pt modelId="{FD44F0FF-07CF-4CAC-B302-A9485240525E}" type="pres">
       <dgm:prSet presAssocID="{0CA45587-B766-4DA6-8C4A-AB1F5DEE60A8}" presName="compChildNode" presStyleCnt="0"/>
@@ -4321,6 +4377,13 @@
         </dgm:presLayoutVars>
       </dgm:prSet>
       <dgm:spPr/>
+      <dgm:t>
+        <a:bodyPr/>
+        <a:lstStyle/>
+        <a:p>
+          <a:endParaRPr lang="uk-UA"/>
+        </a:p>
+      </dgm:t>
     </dgm:pt>
     <dgm:pt modelId="{73E0ABCF-8B18-479A-B968-3572E2D66FEC}" type="pres">
       <dgm:prSet presAssocID="{CB5BCAD1-08AD-474C-8B43-D0EC65C1D945}" presName="aSpace2" presStyleCnt="0"/>
@@ -4333,6 +4396,13 @@
         </dgm:presLayoutVars>
       </dgm:prSet>
       <dgm:spPr/>
+      <dgm:t>
+        <a:bodyPr/>
+        <a:lstStyle/>
+        <a:p>
+          <a:endParaRPr lang="uk-UA"/>
+        </a:p>
+      </dgm:t>
     </dgm:pt>
     <dgm:pt modelId="{9CB7E436-C1AA-41A8-88E9-BC53D2E840B2}" type="pres">
       <dgm:prSet presAssocID="{76489005-6523-4349-BA32-1ED195321A4F}" presName="aSpace2" presStyleCnt="0"/>
@@ -4345,6 +4415,13 @@
         </dgm:presLayoutVars>
       </dgm:prSet>
       <dgm:spPr/>
+      <dgm:t>
+        <a:bodyPr/>
+        <a:lstStyle/>
+        <a:p>
+          <a:endParaRPr lang="uk-UA"/>
+        </a:p>
+      </dgm:t>
     </dgm:pt>
     <dgm:pt modelId="{FD515FC0-4236-490C-BA3D-943524A16058}" type="pres">
       <dgm:prSet presAssocID="{F7DB3FC5-353C-4505-A2D7-BC387749747E}" presName="aSpace2" presStyleCnt="0"/>
@@ -4357,6 +4434,13 @@
         </dgm:presLayoutVars>
       </dgm:prSet>
       <dgm:spPr/>
+      <dgm:t>
+        <a:bodyPr/>
+        <a:lstStyle/>
+        <a:p>
+          <a:endParaRPr lang="uk-UA"/>
+        </a:p>
+      </dgm:t>
     </dgm:pt>
     <dgm:pt modelId="{72072A95-209B-49CC-90C0-CDEC9D9B4917}" type="pres">
       <dgm:prSet presAssocID="{0CA45587-B766-4DA6-8C4A-AB1F5DEE60A8}" presName="aSpace" presStyleCnt="0"/>
@@ -4369,10 +4453,24 @@
     <dgm:pt modelId="{93103F42-48DC-444F-9325-3059BDAC1747}" type="pres">
       <dgm:prSet presAssocID="{13F4D990-06C9-4487-88E2-58EE3014CD92}" presName="aNode" presStyleLbl="bgShp" presStyleIdx="2" presStyleCnt="4"/>
       <dgm:spPr/>
+      <dgm:t>
+        <a:bodyPr/>
+        <a:lstStyle/>
+        <a:p>
+          <a:endParaRPr lang="uk-UA"/>
+        </a:p>
+      </dgm:t>
     </dgm:pt>
     <dgm:pt modelId="{7FD75F17-3565-47B5-BBD0-CCF1B7F2C8B1}" type="pres">
       <dgm:prSet presAssocID="{13F4D990-06C9-4487-88E2-58EE3014CD92}" presName="textNode" presStyleLbl="bgShp" presStyleIdx="2" presStyleCnt="4"/>
       <dgm:spPr/>
+      <dgm:t>
+        <a:bodyPr/>
+        <a:lstStyle/>
+        <a:p>
+          <a:endParaRPr lang="uk-UA"/>
+        </a:p>
+      </dgm:t>
     </dgm:pt>
     <dgm:pt modelId="{3CD086E7-A272-4384-BB10-B61053A575F5}" type="pres">
       <dgm:prSet presAssocID="{13F4D990-06C9-4487-88E2-58EE3014CD92}" presName="compChildNode" presStyleCnt="0"/>
@@ -4389,6 +4487,13 @@
         </dgm:presLayoutVars>
       </dgm:prSet>
       <dgm:spPr/>
+      <dgm:t>
+        <a:bodyPr/>
+        <a:lstStyle/>
+        <a:p>
+          <a:endParaRPr lang="uk-UA"/>
+        </a:p>
+      </dgm:t>
     </dgm:pt>
     <dgm:pt modelId="{F15CE1B3-7CDA-4BCC-8E03-6A4729F2B244}" type="pres">
       <dgm:prSet presAssocID="{19001945-C89C-43EB-AC30-2EE4EF06C217}" presName="aSpace2" presStyleCnt="0"/>
@@ -4401,6 +4506,13 @@
         </dgm:presLayoutVars>
       </dgm:prSet>
       <dgm:spPr/>
+      <dgm:t>
+        <a:bodyPr/>
+        <a:lstStyle/>
+        <a:p>
+          <a:endParaRPr lang="uk-UA"/>
+        </a:p>
+      </dgm:t>
     </dgm:pt>
     <dgm:pt modelId="{9C54B01B-7D3E-4D1A-97ED-F8B9A7A51BB8}" type="pres">
       <dgm:prSet presAssocID="{2D245DAC-3662-4565-A39B-9C9FF6FEE526}" presName="aSpace2" presStyleCnt="0"/>
@@ -4413,6 +4525,13 @@
         </dgm:presLayoutVars>
       </dgm:prSet>
       <dgm:spPr/>
+      <dgm:t>
+        <a:bodyPr/>
+        <a:lstStyle/>
+        <a:p>
+          <a:endParaRPr lang="uk-UA"/>
+        </a:p>
+      </dgm:t>
     </dgm:pt>
     <dgm:pt modelId="{053995DF-59F4-4540-9E06-37EF56A07EA0}" type="pres">
       <dgm:prSet presAssocID="{C0154782-E1DE-4194-9ED9-EE805D2782D3}" presName="aSpace2" presStyleCnt="0"/>
@@ -4425,6 +4544,13 @@
         </dgm:presLayoutVars>
       </dgm:prSet>
       <dgm:spPr/>
+      <dgm:t>
+        <a:bodyPr/>
+        <a:lstStyle/>
+        <a:p>
+          <a:endParaRPr lang="uk-UA"/>
+        </a:p>
+      </dgm:t>
     </dgm:pt>
     <dgm:pt modelId="{28EF4070-B860-45F7-A621-2735151B9F96}" type="pres">
       <dgm:prSet presAssocID="{13F4D990-06C9-4487-88E2-58EE3014CD92}" presName="aSpace" presStyleCnt="0"/>
@@ -4437,10 +4563,24 @@
     <dgm:pt modelId="{80777B38-1508-4D2F-92B3-3F714E69EC4D}" type="pres">
       <dgm:prSet presAssocID="{487D59DD-D13B-4E27-AFE6-39D2AE4F0FDA}" presName="aNode" presStyleLbl="bgShp" presStyleIdx="3" presStyleCnt="4"/>
       <dgm:spPr/>
+      <dgm:t>
+        <a:bodyPr/>
+        <a:lstStyle/>
+        <a:p>
+          <a:endParaRPr lang="uk-UA"/>
+        </a:p>
+      </dgm:t>
     </dgm:pt>
     <dgm:pt modelId="{D15A44DC-1350-445C-B817-7F1042F7510A}" type="pres">
       <dgm:prSet presAssocID="{487D59DD-D13B-4E27-AFE6-39D2AE4F0FDA}" presName="textNode" presStyleLbl="bgShp" presStyleIdx="3" presStyleCnt="4"/>
       <dgm:spPr/>
+      <dgm:t>
+        <a:bodyPr/>
+        <a:lstStyle/>
+        <a:p>
+          <a:endParaRPr lang="uk-UA"/>
+        </a:p>
+      </dgm:t>
     </dgm:pt>
     <dgm:pt modelId="{ACC0A587-EC1C-4ACF-AC52-2F7C302F7B09}" type="pres">
       <dgm:prSet presAssocID="{487D59DD-D13B-4E27-AFE6-39D2AE4F0FDA}" presName="compChildNode" presStyleCnt="0"/>
@@ -4457,6 +4597,13 @@
         </dgm:presLayoutVars>
       </dgm:prSet>
       <dgm:spPr/>
+      <dgm:t>
+        <a:bodyPr/>
+        <a:lstStyle/>
+        <a:p>
+          <a:endParaRPr lang="uk-UA"/>
+        </a:p>
+      </dgm:t>
     </dgm:pt>
     <dgm:pt modelId="{C3BC7E01-9DE8-41AA-B4AD-C965707E4BCF}" type="pres">
       <dgm:prSet presAssocID="{25929F7E-70D8-402A-8D41-7340F007EBE4}" presName="aSpace2" presStyleCnt="0"/>
@@ -4469,6 +4616,13 @@
         </dgm:presLayoutVars>
       </dgm:prSet>
       <dgm:spPr/>
+      <dgm:t>
+        <a:bodyPr/>
+        <a:lstStyle/>
+        <a:p>
+          <a:endParaRPr lang="uk-UA"/>
+        </a:p>
+      </dgm:t>
     </dgm:pt>
     <dgm:pt modelId="{CBCD0F3B-3AD7-4790-9746-4DD54DB2AA75}" type="pres">
       <dgm:prSet presAssocID="{7BB48899-36C3-48FE-9E54-C828906FE59B}" presName="aSpace2" presStyleCnt="0"/>
@@ -4481,50 +4635,57 @@
         </dgm:presLayoutVars>
       </dgm:prSet>
       <dgm:spPr/>
+      <dgm:t>
+        <a:bodyPr/>
+        <a:lstStyle/>
+        <a:p>
+          <a:endParaRPr lang="uk-UA"/>
+        </a:p>
+      </dgm:t>
     </dgm:pt>
   </dgm:ptLst>
   <dgm:cxnLst>
+    <dgm:cxn modelId="{6C4ED64C-DE30-4467-8579-E0FB89A3B1A4}" type="presOf" srcId="{BCEC4FE0-7305-40BF-9A9F-22B46A0FE7FE}" destId="{E23A3AF1-B198-463C-862B-0BD086E41190}" srcOrd="0" destOrd="0" presId="urn:microsoft.com/office/officeart/2005/8/layout/lProcess2"/>
+    <dgm:cxn modelId="{7CDFEA58-3A4E-4835-BD4C-3DAA93AA1D40}" type="presOf" srcId="{487D59DD-D13B-4E27-AFE6-39D2AE4F0FDA}" destId="{80777B38-1508-4D2F-92B3-3F714E69EC4D}" srcOrd="0" destOrd="0" presId="urn:microsoft.com/office/officeart/2005/8/layout/lProcess2"/>
+    <dgm:cxn modelId="{442441DE-315E-4DA4-9163-1A89A059F0BC}" srcId="{13F4D990-06C9-4487-88E2-58EE3014CD92}" destId="{2D245DAC-3662-4565-A39B-9C9FF6FEE526}" srcOrd="1" destOrd="0" parTransId="{BE0938F2-9654-46EE-A8AE-634EE22D8D73}" sibTransId="{B15D73E5-B45B-4187-9949-5832E69817DC}"/>
+    <dgm:cxn modelId="{F701DA2F-4532-4BA1-833E-EC6B940B87FC}" type="presOf" srcId="{76489005-6523-4349-BA32-1ED195321A4F}" destId="{4AADBA44-B121-4CF9-888A-B4A7BA2A5B4A}" srcOrd="0" destOrd="0" presId="urn:microsoft.com/office/officeart/2005/8/layout/lProcess2"/>
+    <dgm:cxn modelId="{A4AB47B5-88D0-4F55-A59E-23ED1C9F25A9}" srcId="{DA399935-7796-4292-AFCB-EC7B46B2EA2B}" destId="{0CA45587-B766-4DA6-8C4A-AB1F5DEE60A8}" srcOrd="1" destOrd="0" parTransId="{C528A891-66BA-482F-A4CA-040AF700503E}" sibTransId="{FAF33964-D2D2-492D-A754-B08228E7EC32}"/>
+    <dgm:cxn modelId="{DD05FCCC-0378-4947-97BC-C697E23422BE}" srcId="{DA399935-7796-4292-AFCB-EC7B46B2EA2B}" destId="{A90B3B45-333D-4BB8-90AF-3157034879C2}" srcOrd="0" destOrd="0" parTransId="{C939BF46-6C2B-478C-BDC9-EC4EE2FFF4C2}" sibTransId="{EA4FDFAC-4859-4ACD-A311-1EB81A9F959E}"/>
+    <dgm:cxn modelId="{FA9AECC9-E0EE-4826-B234-261123051296}" type="presOf" srcId="{13F4D990-06C9-4487-88E2-58EE3014CD92}" destId="{93103F42-48DC-444F-9325-3059BDAC1747}" srcOrd="0" destOrd="0" presId="urn:microsoft.com/office/officeart/2005/8/layout/lProcess2"/>
+    <dgm:cxn modelId="{CE97F77E-924E-4D1B-B606-DEBF704D59E5}" type="presOf" srcId="{0CA45587-B766-4DA6-8C4A-AB1F5DEE60A8}" destId="{577EF2EE-C7A7-4D63-A8AA-02F5F3A89650}" srcOrd="0" destOrd="0" presId="urn:microsoft.com/office/officeart/2005/8/layout/lProcess2"/>
+    <dgm:cxn modelId="{A0530221-8EE2-412C-AFF9-21AF61666ECB}" type="presOf" srcId="{25929F7E-70D8-402A-8D41-7340F007EBE4}" destId="{82655354-1051-4447-97FF-8EF943052265}" srcOrd="0" destOrd="0" presId="urn:microsoft.com/office/officeart/2005/8/layout/lProcess2"/>
+    <dgm:cxn modelId="{04A73CC8-E59A-4BBE-B8E2-6ABC3DA9718D}" type="presOf" srcId="{487D59DD-D13B-4E27-AFE6-39D2AE4F0FDA}" destId="{D15A44DC-1350-445C-B817-7F1042F7510A}" srcOrd="1" destOrd="0" presId="urn:microsoft.com/office/officeart/2005/8/layout/lProcess2"/>
+    <dgm:cxn modelId="{F7C33861-1689-495F-A0CB-A7A5280B3062}" type="presOf" srcId="{A90B3B45-333D-4BB8-90AF-3157034879C2}" destId="{BC248DE9-DF42-4FDB-9CC4-068DA6C50575}" srcOrd="0" destOrd="0" presId="urn:microsoft.com/office/officeart/2005/8/layout/lProcess2"/>
+    <dgm:cxn modelId="{2275DFC8-F3C0-4C71-B6BD-5BEDCD2885BE}" type="presOf" srcId="{CB5BCAD1-08AD-474C-8B43-D0EC65C1D945}" destId="{72276232-271D-424C-BA29-7FB0AF5B7434}" srcOrd="0" destOrd="0" presId="urn:microsoft.com/office/officeart/2005/8/layout/lProcess2"/>
+    <dgm:cxn modelId="{69AE557D-AE23-4ED3-B6BD-86FBA535BB32}" srcId="{0CA45587-B766-4DA6-8C4A-AB1F5DEE60A8}" destId="{F9498964-12BC-4AF5-A769-B04DBC9EB5A9}" srcOrd="3" destOrd="0" parTransId="{B4C100F9-6B7C-4F0E-9B5A-3070F4ED41E2}" sibTransId="{CB40E27C-2865-4F9B-BD70-3DB3D22FB8F0}"/>
+    <dgm:cxn modelId="{E3B92891-82C6-46C2-895A-D13C930A89BC}" type="presOf" srcId="{C0154782-E1DE-4194-9ED9-EE805D2782D3}" destId="{8D1F4ED6-931E-4DBA-9FF5-8C2FCED0EA02}" srcOrd="0" destOrd="0" presId="urn:microsoft.com/office/officeart/2005/8/layout/lProcess2"/>
+    <dgm:cxn modelId="{8B44E297-B6B5-4AFF-8D41-3C27E6445F41}" srcId="{0CA45587-B766-4DA6-8C4A-AB1F5DEE60A8}" destId="{F7DB3FC5-353C-4505-A2D7-BC387749747E}" srcOrd="2" destOrd="0" parTransId="{F3867805-1147-4575-8A68-585C6794D63B}" sibTransId="{B13503D8-72E4-4910-9641-C8B10680FDE9}"/>
+    <dgm:cxn modelId="{F6FCE845-AD24-4E3F-B915-10C168183AF2}" type="presOf" srcId="{2D245DAC-3662-4565-A39B-9C9FF6FEE526}" destId="{5209E075-7E78-49EF-AF1B-73814D0078C1}" srcOrd="0" destOrd="0" presId="urn:microsoft.com/office/officeart/2005/8/layout/lProcess2"/>
+    <dgm:cxn modelId="{0443B519-A343-4B5D-BA27-1D42755C712D}" srcId="{13F4D990-06C9-4487-88E2-58EE3014CD92}" destId="{C0154782-E1DE-4194-9ED9-EE805D2782D3}" srcOrd="2" destOrd="0" parTransId="{5D932C84-C7AB-4781-8CE6-56D3F28F4023}" sibTransId="{F4C0DF49-5A72-427F-989B-FB5B6A917B56}"/>
+    <dgm:cxn modelId="{B0294F7E-4D6D-46EA-878D-685B2A7E2C94}" type="presOf" srcId="{15D2766E-E076-4AFB-A3F3-9CB20F1C2458}" destId="{44B7F779-2801-4B09-8661-40AEF189F7D9}" srcOrd="0" destOrd="0" presId="urn:microsoft.com/office/officeart/2005/8/layout/lProcess2"/>
+    <dgm:cxn modelId="{1C4675DA-FB03-4F5C-8DF0-DB11EA302ED5}" srcId="{A90B3B45-333D-4BB8-90AF-3157034879C2}" destId="{F6A3147A-DF96-447D-8FB0-CA57BEB88E6E}" srcOrd="2" destOrd="0" parTransId="{E3DC03E5-B7E3-404D-9002-1156ECBBE831}" sibTransId="{CC4BE91C-2B8E-46B9-8A0F-D430D9527649}"/>
+    <dgm:cxn modelId="{55EFB090-F319-403E-A907-6B6601A5A7E6}" type="presOf" srcId="{A90B3B45-333D-4BB8-90AF-3157034879C2}" destId="{1987D25C-6EA6-43AF-BF7C-07181846381C}" srcOrd="1" destOrd="0" presId="urn:microsoft.com/office/officeart/2005/8/layout/lProcess2"/>
+    <dgm:cxn modelId="{0990AF13-2168-492D-B85F-D5AC3C9CE993}" srcId="{0CA45587-B766-4DA6-8C4A-AB1F5DEE60A8}" destId="{76489005-6523-4349-BA32-1ED195321A4F}" srcOrd="1" destOrd="0" parTransId="{9B23D3AA-38D6-4A92-A445-A3EAF27AE8B4}" sibTransId="{C303B00B-C198-44FC-8148-CAEA6FF0F68C}"/>
+    <dgm:cxn modelId="{655DE350-4E4C-4338-8779-2034AB90FB04}" type="presOf" srcId="{F6A3147A-DF96-447D-8FB0-CA57BEB88E6E}" destId="{771E6B33-366F-47FD-B48F-A3A27FBFC672}" srcOrd="0" destOrd="0" presId="urn:microsoft.com/office/officeart/2005/8/layout/lProcess2"/>
+    <dgm:cxn modelId="{20DD1C70-C808-45F5-963C-15A6AE81393B}" srcId="{487D59DD-D13B-4E27-AFE6-39D2AE4F0FDA}" destId="{7BB48899-36C3-48FE-9E54-C828906FE59B}" srcOrd="1" destOrd="0" parTransId="{E86D87DE-5583-428C-ABFB-288B4B4F3401}" sibTransId="{FE9CC924-70EF-4EF1-B554-676346A90938}"/>
+    <dgm:cxn modelId="{B552F3CF-888F-4443-B074-50974995C660}" srcId="{0CA45587-B766-4DA6-8C4A-AB1F5DEE60A8}" destId="{CB5BCAD1-08AD-474C-8B43-D0EC65C1D945}" srcOrd="0" destOrd="0" parTransId="{A5288EA0-7190-4219-BB35-6DDB209A0C7B}" sibTransId="{32C79AB1-AB5C-446A-8765-D7714A75F4D8}"/>
+    <dgm:cxn modelId="{D75E17A3-83B6-4551-9530-AFDDD5F93616}" type="presOf" srcId="{4925D335-7AD8-401A-9F1B-FA65F53D476B}" destId="{334A5D42-C472-4873-BD2A-1BF3B68CBD34}" srcOrd="0" destOrd="0" presId="urn:microsoft.com/office/officeart/2005/8/layout/lProcess2"/>
+    <dgm:cxn modelId="{61685775-EB8C-469B-8E56-C36FE2902545}" type="presOf" srcId="{0CA45587-B766-4DA6-8C4A-AB1F5DEE60A8}" destId="{8ABBD8A4-3E67-41BD-848D-0883A77FC6B5}" srcOrd="1" destOrd="0" presId="urn:microsoft.com/office/officeart/2005/8/layout/lProcess2"/>
+    <dgm:cxn modelId="{0101930B-6D1E-4654-9CE1-D619520080AD}" srcId="{487D59DD-D13B-4E27-AFE6-39D2AE4F0FDA}" destId="{4925D335-7AD8-401A-9F1B-FA65F53D476B}" srcOrd="2" destOrd="0" parTransId="{E3D87E2E-5777-4168-8FE0-5EBAEBD84568}" sibTransId="{C8B278C2-4CF5-4B50-85BB-6B69BA65DE4F}"/>
+    <dgm:cxn modelId="{87361C68-C08F-4DB3-ACE9-30E04A17FCF4}" srcId="{487D59DD-D13B-4E27-AFE6-39D2AE4F0FDA}" destId="{25929F7E-70D8-402A-8D41-7340F007EBE4}" srcOrd="0" destOrd="0" parTransId="{1B70D5D0-87FB-4786-9E43-F4A03BA425A3}" sibTransId="{A6D5BE81-EB4A-40C7-8923-27DD54E2F9D6}"/>
+    <dgm:cxn modelId="{D6A3B460-15CE-4556-A9D0-CCD41AEF6250}" srcId="{DA399935-7796-4292-AFCB-EC7B46B2EA2B}" destId="{487D59DD-D13B-4E27-AFE6-39D2AE4F0FDA}" srcOrd="3" destOrd="0" parTransId="{57D2E575-2FF0-4D0B-8467-C8D0F5AACD38}" sibTransId="{8EB5D58A-EF7E-4A69-8A77-1971CF8846A8}"/>
+    <dgm:cxn modelId="{58D32322-3680-4C74-913A-68B1191C7F22}" srcId="{13F4D990-06C9-4487-88E2-58EE3014CD92}" destId="{BCEC4FE0-7305-40BF-9A9F-22B46A0FE7FE}" srcOrd="3" destOrd="0" parTransId="{53004582-CF7F-4B76-97B0-51A66F6FCB86}" sibTransId="{3471AAB6-AEF7-4BB1-A51F-5A6209EC1FB3}"/>
     <dgm:cxn modelId="{465DA507-F51A-4D4E-8104-EC1B808D0263}" srcId="{13F4D990-06C9-4487-88E2-58EE3014CD92}" destId="{19001945-C89C-43EB-AC30-2EE4EF06C217}" srcOrd="0" destOrd="0" parTransId="{FE8FFBFA-9E66-443B-AF1E-B3B47C52B736}" sibTransId="{C7A9E2A3-34B8-4E62-BA5B-EFFEBB7461AF}"/>
     <dgm:cxn modelId="{BF54C00A-0919-4819-A5E0-5F1AC87F279E}" type="presOf" srcId="{F7DB3FC5-353C-4505-A2D7-BC387749747E}" destId="{BCD6C905-6F57-4F49-9031-6E1424471A10}" srcOrd="0" destOrd="0" presId="urn:microsoft.com/office/officeart/2005/8/layout/lProcess2"/>
-    <dgm:cxn modelId="{0101930B-6D1E-4654-9CE1-D619520080AD}" srcId="{487D59DD-D13B-4E27-AFE6-39D2AE4F0FDA}" destId="{4925D335-7AD8-401A-9F1B-FA65F53D476B}" srcOrd="2" destOrd="0" parTransId="{E3D87E2E-5777-4168-8FE0-5EBAEBD84568}" sibTransId="{C8B278C2-4CF5-4B50-85BB-6B69BA65DE4F}"/>
-    <dgm:cxn modelId="{0990AF13-2168-492D-B85F-D5AC3C9CE993}" srcId="{0CA45587-B766-4DA6-8C4A-AB1F5DEE60A8}" destId="{76489005-6523-4349-BA32-1ED195321A4F}" srcOrd="1" destOrd="0" parTransId="{9B23D3AA-38D6-4A92-A445-A3EAF27AE8B4}" sibTransId="{C303B00B-C198-44FC-8148-CAEA6FF0F68C}"/>
+    <dgm:cxn modelId="{6AD8D6F2-831A-41C7-8204-385E9111571F}" srcId="{DA399935-7796-4292-AFCB-EC7B46B2EA2B}" destId="{13F4D990-06C9-4487-88E2-58EE3014CD92}" srcOrd="2" destOrd="0" parTransId="{F66CCEBA-116F-4AD6-904C-769EAB23C0E9}" sibTransId="{6F46DBB9-6417-4ABE-BFBC-72D1FCDF1EC2}"/>
+    <dgm:cxn modelId="{E67A7646-D8C9-47AC-8D0A-AF295465E562}" srcId="{A90B3B45-333D-4BB8-90AF-3157034879C2}" destId="{43784ADD-C1E3-4054-92F8-6FBFD5231E8B}" srcOrd="1" destOrd="0" parTransId="{BD28D91A-5E8C-493B-85C0-F38A44992012}" sibTransId="{58D22B50-AA5C-4DBF-922E-0D0F9E882693}"/>
     <dgm:cxn modelId="{D6F46619-2A11-4F9A-88FA-BF8FB63A93A2}" srcId="{A90B3B45-333D-4BB8-90AF-3157034879C2}" destId="{15D2766E-E076-4AFB-A3F3-9CB20F1C2458}" srcOrd="0" destOrd="0" parTransId="{0F826612-3402-4A44-B7E0-D73530180CD6}" sibTransId="{DB4CCC3D-46F6-4966-8BE8-5B3810224DA0}"/>
-    <dgm:cxn modelId="{0443B519-A343-4B5D-BA27-1D42755C712D}" srcId="{13F4D990-06C9-4487-88E2-58EE3014CD92}" destId="{C0154782-E1DE-4194-9ED9-EE805D2782D3}" srcOrd="2" destOrd="0" parTransId="{5D932C84-C7AB-4781-8CE6-56D3F28F4023}" sibTransId="{F4C0DF49-5A72-427F-989B-FB5B6A917B56}"/>
+    <dgm:cxn modelId="{1A649B54-EFDB-4A0D-9F76-59BFBFDB6B60}" type="presOf" srcId="{13F4D990-06C9-4487-88E2-58EE3014CD92}" destId="{7FD75F17-3565-47B5-BBD0-CCF1B7F2C8B1}" srcOrd="1" destOrd="0" presId="urn:microsoft.com/office/officeart/2005/8/layout/lProcess2"/>
+    <dgm:cxn modelId="{6BE2203A-C400-4C39-9D92-65CB88ED2278}" type="presOf" srcId="{43784ADD-C1E3-4054-92F8-6FBFD5231E8B}" destId="{709D8ECF-61F0-4F5D-8292-FAF953C95340}" srcOrd="0" destOrd="0" presId="urn:microsoft.com/office/officeart/2005/8/layout/lProcess2"/>
+    <dgm:cxn modelId="{8FD84432-B9E9-4AC5-82DE-864561430C66}" type="presOf" srcId="{7BB48899-36C3-48FE-9E54-C828906FE59B}" destId="{B0C64AA8-F3F6-4259-B668-52A84FC80C9C}" srcOrd="0" destOrd="0" presId="urn:microsoft.com/office/officeart/2005/8/layout/lProcess2"/>
     <dgm:cxn modelId="{7AA0561E-2192-4C92-B94B-B53F89623F15}" type="presOf" srcId="{F9498964-12BC-4AF5-A769-B04DBC9EB5A9}" destId="{01E66638-4F3B-42FB-84C5-69866BB7308C}" srcOrd="0" destOrd="0" presId="urn:microsoft.com/office/officeart/2005/8/layout/lProcess2"/>
-    <dgm:cxn modelId="{A0530221-8EE2-412C-AFF9-21AF61666ECB}" type="presOf" srcId="{25929F7E-70D8-402A-8D41-7340F007EBE4}" destId="{82655354-1051-4447-97FF-8EF943052265}" srcOrd="0" destOrd="0" presId="urn:microsoft.com/office/officeart/2005/8/layout/lProcess2"/>
-    <dgm:cxn modelId="{58D32322-3680-4C74-913A-68B1191C7F22}" srcId="{13F4D990-06C9-4487-88E2-58EE3014CD92}" destId="{BCEC4FE0-7305-40BF-9A9F-22B46A0FE7FE}" srcOrd="3" destOrd="0" parTransId="{53004582-CF7F-4B76-97B0-51A66F6FCB86}" sibTransId="{3471AAB6-AEF7-4BB1-A51F-5A6209EC1FB3}"/>
-    <dgm:cxn modelId="{F701DA2F-4532-4BA1-833E-EC6B940B87FC}" type="presOf" srcId="{76489005-6523-4349-BA32-1ED195321A4F}" destId="{4AADBA44-B121-4CF9-888A-B4A7BA2A5B4A}" srcOrd="0" destOrd="0" presId="urn:microsoft.com/office/officeart/2005/8/layout/lProcess2"/>
-    <dgm:cxn modelId="{8FD84432-B9E9-4AC5-82DE-864561430C66}" type="presOf" srcId="{7BB48899-36C3-48FE-9E54-C828906FE59B}" destId="{B0C64AA8-F3F6-4259-B668-52A84FC80C9C}" srcOrd="0" destOrd="0" presId="urn:microsoft.com/office/officeart/2005/8/layout/lProcess2"/>
-    <dgm:cxn modelId="{6BE2203A-C400-4C39-9D92-65CB88ED2278}" type="presOf" srcId="{43784ADD-C1E3-4054-92F8-6FBFD5231E8B}" destId="{709D8ECF-61F0-4F5D-8292-FAF953C95340}" srcOrd="0" destOrd="0" presId="urn:microsoft.com/office/officeart/2005/8/layout/lProcess2"/>
-    <dgm:cxn modelId="{D6A3B460-15CE-4556-A9D0-CCD41AEF6250}" srcId="{DA399935-7796-4292-AFCB-EC7B46B2EA2B}" destId="{487D59DD-D13B-4E27-AFE6-39D2AE4F0FDA}" srcOrd="3" destOrd="0" parTransId="{57D2E575-2FF0-4D0B-8467-C8D0F5AACD38}" sibTransId="{8EB5D58A-EF7E-4A69-8A77-1971CF8846A8}"/>
-    <dgm:cxn modelId="{F7C33861-1689-495F-A0CB-A7A5280B3062}" type="presOf" srcId="{A90B3B45-333D-4BB8-90AF-3157034879C2}" destId="{BC248DE9-DF42-4FDB-9CC4-068DA6C50575}" srcOrd="0" destOrd="0" presId="urn:microsoft.com/office/officeart/2005/8/layout/lProcess2"/>
-    <dgm:cxn modelId="{F6FCE845-AD24-4E3F-B915-10C168183AF2}" type="presOf" srcId="{2D245DAC-3662-4565-A39B-9C9FF6FEE526}" destId="{5209E075-7E78-49EF-AF1B-73814D0078C1}" srcOrd="0" destOrd="0" presId="urn:microsoft.com/office/officeart/2005/8/layout/lProcess2"/>
-    <dgm:cxn modelId="{E67A7646-D8C9-47AC-8D0A-AF295465E562}" srcId="{A90B3B45-333D-4BB8-90AF-3157034879C2}" destId="{43784ADD-C1E3-4054-92F8-6FBFD5231E8B}" srcOrd="1" destOrd="0" parTransId="{BD28D91A-5E8C-493B-85C0-F38A44992012}" sibTransId="{58D22B50-AA5C-4DBF-922E-0D0F9E882693}"/>
-    <dgm:cxn modelId="{87361C68-C08F-4DB3-ACE9-30E04A17FCF4}" srcId="{487D59DD-D13B-4E27-AFE6-39D2AE4F0FDA}" destId="{25929F7E-70D8-402A-8D41-7340F007EBE4}" srcOrd="0" destOrd="0" parTransId="{1B70D5D0-87FB-4786-9E43-F4A03BA425A3}" sibTransId="{A6D5BE81-EB4A-40C7-8923-27DD54E2F9D6}"/>
-    <dgm:cxn modelId="{6C4ED64C-DE30-4467-8579-E0FB89A3B1A4}" type="presOf" srcId="{BCEC4FE0-7305-40BF-9A9F-22B46A0FE7FE}" destId="{E23A3AF1-B198-463C-862B-0BD086E41190}" srcOrd="0" destOrd="0" presId="urn:microsoft.com/office/officeart/2005/8/layout/lProcess2"/>
-    <dgm:cxn modelId="{20DD1C70-C808-45F5-963C-15A6AE81393B}" srcId="{487D59DD-D13B-4E27-AFE6-39D2AE4F0FDA}" destId="{7BB48899-36C3-48FE-9E54-C828906FE59B}" srcOrd="1" destOrd="0" parTransId="{E86D87DE-5583-428C-ABFB-288B4B4F3401}" sibTransId="{FE9CC924-70EF-4EF1-B554-676346A90938}"/>
-    <dgm:cxn modelId="{655DE350-4E4C-4338-8779-2034AB90FB04}" type="presOf" srcId="{F6A3147A-DF96-447D-8FB0-CA57BEB88E6E}" destId="{771E6B33-366F-47FD-B48F-A3A27FBFC672}" srcOrd="0" destOrd="0" presId="urn:microsoft.com/office/officeart/2005/8/layout/lProcess2"/>
-    <dgm:cxn modelId="{1A649B54-EFDB-4A0D-9F76-59BFBFDB6B60}" type="presOf" srcId="{13F4D990-06C9-4487-88E2-58EE3014CD92}" destId="{7FD75F17-3565-47B5-BBD0-CCF1B7F2C8B1}" srcOrd="1" destOrd="0" presId="urn:microsoft.com/office/officeart/2005/8/layout/lProcess2"/>
-    <dgm:cxn modelId="{61685775-EB8C-469B-8E56-C36FE2902545}" type="presOf" srcId="{0CA45587-B766-4DA6-8C4A-AB1F5DEE60A8}" destId="{8ABBD8A4-3E67-41BD-848D-0883A77FC6B5}" srcOrd="1" destOrd="0" presId="urn:microsoft.com/office/officeart/2005/8/layout/lProcess2"/>
-    <dgm:cxn modelId="{7CDFEA58-3A4E-4835-BD4C-3DAA93AA1D40}" type="presOf" srcId="{487D59DD-D13B-4E27-AFE6-39D2AE4F0FDA}" destId="{80777B38-1508-4D2F-92B3-3F714E69EC4D}" srcOrd="0" destOrd="0" presId="urn:microsoft.com/office/officeart/2005/8/layout/lProcess2"/>
-    <dgm:cxn modelId="{69AE557D-AE23-4ED3-B6BD-86FBA535BB32}" srcId="{0CA45587-B766-4DA6-8C4A-AB1F5DEE60A8}" destId="{F9498964-12BC-4AF5-A769-B04DBC9EB5A9}" srcOrd="3" destOrd="0" parTransId="{B4C100F9-6B7C-4F0E-9B5A-3070F4ED41E2}" sibTransId="{CB40E27C-2865-4F9B-BD70-3DB3D22FB8F0}"/>
-    <dgm:cxn modelId="{B0294F7E-4D6D-46EA-878D-685B2A7E2C94}" type="presOf" srcId="{15D2766E-E076-4AFB-A3F3-9CB20F1C2458}" destId="{44B7F779-2801-4B09-8661-40AEF189F7D9}" srcOrd="0" destOrd="0" presId="urn:microsoft.com/office/officeart/2005/8/layout/lProcess2"/>
-    <dgm:cxn modelId="{CE97F77E-924E-4D1B-B606-DEBF704D59E5}" type="presOf" srcId="{0CA45587-B766-4DA6-8C4A-AB1F5DEE60A8}" destId="{577EF2EE-C7A7-4D63-A8AA-02F5F3A89650}" srcOrd="0" destOrd="0" presId="urn:microsoft.com/office/officeart/2005/8/layout/lProcess2"/>
-    <dgm:cxn modelId="{55EFB090-F319-403E-A907-6B6601A5A7E6}" type="presOf" srcId="{A90B3B45-333D-4BB8-90AF-3157034879C2}" destId="{1987D25C-6EA6-43AF-BF7C-07181846381C}" srcOrd="1" destOrd="0" presId="urn:microsoft.com/office/officeart/2005/8/layout/lProcess2"/>
-    <dgm:cxn modelId="{E3B92891-82C6-46C2-895A-D13C930A89BC}" type="presOf" srcId="{C0154782-E1DE-4194-9ED9-EE805D2782D3}" destId="{8D1F4ED6-931E-4DBA-9FF5-8C2FCED0EA02}" srcOrd="0" destOrd="0" presId="urn:microsoft.com/office/officeart/2005/8/layout/lProcess2"/>
+    <dgm:cxn modelId="{21D093AF-C923-4272-B100-9789A851ACED}" type="presOf" srcId="{19001945-C89C-43EB-AC30-2EE4EF06C217}" destId="{6FCAD62B-0AB9-4584-AB95-9DAECA557025}" srcOrd="0" destOrd="0" presId="urn:microsoft.com/office/officeart/2005/8/layout/lProcess2"/>
     <dgm:cxn modelId="{72B4B897-69A9-4BBB-B24B-94829EBA3EC9}" type="presOf" srcId="{DA399935-7796-4292-AFCB-EC7B46B2EA2B}" destId="{287C50FF-0C68-4D41-9A4B-1675DD12D98C}" srcOrd="0" destOrd="0" presId="urn:microsoft.com/office/officeart/2005/8/layout/lProcess2"/>
-    <dgm:cxn modelId="{8B44E297-B6B5-4AFF-8D41-3C27E6445F41}" srcId="{0CA45587-B766-4DA6-8C4A-AB1F5DEE60A8}" destId="{F7DB3FC5-353C-4505-A2D7-BC387749747E}" srcOrd="2" destOrd="0" parTransId="{F3867805-1147-4575-8A68-585C6794D63B}" sibTransId="{B13503D8-72E4-4910-9641-C8B10680FDE9}"/>
-    <dgm:cxn modelId="{D75E17A3-83B6-4551-9530-AFDDD5F93616}" type="presOf" srcId="{4925D335-7AD8-401A-9F1B-FA65F53D476B}" destId="{334A5D42-C472-4873-BD2A-1BF3B68CBD34}" srcOrd="0" destOrd="0" presId="urn:microsoft.com/office/officeart/2005/8/layout/lProcess2"/>
-    <dgm:cxn modelId="{21D093AF-C923-4272-B100-9789A851ACED}" type="presOf" srcId="{19001945-C89C-43EB-AC30-2EE4EF06C217}" destId="{6FCAD62B-0AB9-4584-AB95-9DAECA557025}" srcOrd="0" destOrd="0" presId="urn:microsoft.com/office/officeart/2005/8/layout/lProcess2"/>
-    <dgm:cxn modelId="{A4AB47B5-88D0-4F55-A59E-23ED1C9F25A9}" srcId="{DA399935-7796-4292-AFCB-EC7B46B2EA2B}" destId="{0CA45587-B766-4DA6-8C4A-AB1F5DEE60A8}" srcOrd="1" destOrd="0" parTransId="{C528A891-66BA-482F-A4CA-040AF700503E}" sibTransId="{FAF33964-D2D2-492D-A754-B08228E7EC32}"/>
-    <dgm:cxn modelId="{04A73CC8-E59A-4BBE-B8E2-6ABC3DA9718D}" type="presOf" srcId="{487D59DD-D13B-4E27-AFE6-39D2AE4F0FDA}" destId="{D15A44DC-1350-445C-B817-7F1042F7510A}" srcOrd="1" destOrd="0" presId="urn:microsoft.com/office/officeart/2005/8/layout/lProcess2"/>
-    <dgm:cxn modelId="{2275DFC8-F3C0-4C71-B6BD-5BEDCD2885BE}" type="presOf" srcId="{CB5BCAD1-08AD-474C-8B43-D0EC65C1D945}" destId="{72276232-271D-424C-BA29-7FB0AF5B7434}" srcOrd="0" destOrd="0" presId="urn:microsoft.com/office/officeart/2005/8/layout/lProcess2"/>
-    <dgm:cxn modelId="{FA9AECC9-E0EE-4826-B234-261123051296}" type="presOf" srcId="{13F4D990-06C9-4487-88E2-58EE3014CD92}" destId="{93103F42-48DC-444F-9325-3059BDAC1747}" srcOrd="0" destOrd="0" presId="urn:microsoft.com/office/officeart/2005/8/layout/lProcess2"/>
-    <dgm:cxn modelId="{DD05FCCC-0378-4947-97BC-C697E23422BE}" srcId="{DA399935-7796-4292-AFCB-EC7B46B2EA2B}" destId="{A90B3B45-333D-4BB8-90AF-3157034879C2}" srcOrd="0" destOrd="0" parTransId="{C939BF46-6C2B-478C-BDC9-EC4EE2FFF4C2}" sibTransId="{EA4FDFAC-4859-4ACD-A311-1EB81A9F959E}"/>
-    <dgm:cxn modelId="{B552F3CF-888F-4443-B074-50974995C660}" srcId="{0CA45587-B766-4DA6-8C4A-AB1F5DEE60A8}" destId="{CB5BCAD1-08AD-474C-8B43-D0EC65C1D945}" srcOrd="0" destOrd="0" parTransId="{A5288EA0-7190-4219-BB35-6DDB209A0C7B}" sibTransId="{32C79AB1-AB5C-446A-8765-D7714A75F4D8}"/>
-    <dgm:cxn modelId="{1C4675DA-FB03-4F5C-8DF0-DB11EA302ED5}" srcId="{A90B3B45-333D-4BB8-90AF-3157034879C2}" destId="{F6A3147A-DF96-447D-8FB0-CA57BEB88E6E}" srcOrd="2" destOrd="0" parTransId="{E3DC03E5-B7E3-404D-9002-1156ECBBE831}" sibTransId="{CC4BE91C-2B8E-46B9-8A0F-D430D9527649}"/>
-    <dgm:cxn modelId="{442441DE-315E-4DA4-9163-1A89A059F0BC}" srcId="{13F4D990-06C9-4487-88E2-58EE3014CD92}" destId="{2D245DAC-3662-4565-A39B-9C9FF6FEE526}" srcOrd="1" destOrd="0" parTransId="{BE0938F2-9654-46EE-A8AE-634EE22D8D73}" sibTransId="{B15D73E5-B45B-4187-9949-5832E69817DC}"/>
-    <dgm:cxn modelId="{6AD8D6F2-831A-41C7-8204-385E9111571F}" srcId="{DA399935-7796-4292-AFCB-EC7B46B2EA2B}" destId="{13F4D990-06C9-4487-88E2-58EE3014CD92}" srcOrd="2" destOrd="0" parTransId="{F66CCEBA-116F-4AD6-904C-769EAB23C0E9}" sibTransId="{6F46DBB9-6417-4ABE-BFBC-72D1FCDF1EC2}"/>
     <dgm:cxn modelId="{C321438A-194D-47B5-86B5-B643C8CAEBD4}" type="presParOf" srcId="{287C50FF-0C68-4D41-9A4B-1675DD12D98C}" destId="{07FD6B4B-92D6-4CF7-BCA2-0BECDE064E77}" srcOrd="0" destOrd="0" presId="urn:microsoft.com/office/officeart/2005/8/layout/lProcess2"/>
     <dgm:cxn modelId="{EFFF06FF-D07D-4389-951A-C72BF3E5ECE9}" type="presParOf" srcId="{07FD6B4B-92D6-4CF7-BCA2-0BECDE064E77}" destId="{BC248DE9-DF42-4FDB-9CC4-068DA6C50575}" srcOrd="0" destOrd="0" presId="urn:microsoft.com/office/officeart/2005/8/layout/lProcess2"/>
     <dgm:cxn modelId="{F896A819-112D-4EB6-978A-157E348254A8}" type="presParOf" srcId="{07FD6B4B-92D6-4CF7-BCA2-0BECDE064E77}" destId="{1987D25C-6EA6-43AF-BF7C-07181846381C}" srcOrd="1" destOrd="0" presId="urn:microsoft.com/office/officeart/2005/8/layout/lProcess2"/>
@@ -4618,8 +4779,7 @@
             <a:rPr lang="x-none" dirty="0">
               <a:solidFill>
                 <a:schemeClr val="tx2">
-                  <a:lumMod val="60000"/>
-                  <a:lumOff val="40000"/>
+                  <a:lumMod val="75000"/>
                 </a:schemeClr>
               </a:solidFill>
             </a:rPr>
@@ -4629,8 +4789,7 @@
             <a:rPr lang="uk-UA" dirty="0">
               <a:solidFill>
                 <a:schemeClr val="tx2">
-                  <a:lumMod val="60000"/>
-                  <a:lumOff val="40000"/>
+                  <a:lumMod val="75000"/>
                 </a:schemeClr>
               </a:solidFill>
             </a:rPr>
@@ -4640,8 +4799,7 @@
             <a:rPr lang="x-none" dirty="0">
               <a:solidFill>
                 <a:schemeClr val="tx2">
-                  <a:lumMod val="60000"/>
-                  <a:lumOff val="40000"/>
+                  <a:lumMod val="75000"/>
                 </a:schemeClr>
               </a:solidFill>
             </a:rPr>
@@ -4651,8 +4809,7 @@
             <a:rPr lang="uk-UA" dirty="0">
               <a:solidFill>
                 <a:schemeClr val="tx2">
-                  <a:lumMod val="60000"/>
-                  <a:lumOff val="40000"/>
+                  <a:lumMod val="75000"/>
                 </a:schemeClr>
               </a:solidFill>
             </a:rPr>
@@ -4662,8 +4819,7 @@
             <a:rPr lang="x-none" dirty="0">
               <a:solidFill>
                 <a:schemeClr val="tx2">
-                  <a:lumMod val="60000"/>
-                  <a:lumOff val="40000"/>
+                  <a:lumMod val="75000"/>
                 </a:schemeClr>
               </a:solidFill>
             </a:rPr>
@@ -4672,8 +4828,7 @@
           <a:endParaRPr lang="en-US" dirty="0">
             <a:solidFill>
               <a:schemeClr val="tx2">
-                <a:lumMod val="60000"/>
-                <a:lumOff val="40000"/>
+                <a:lumMod val="75000"/>
               </a:schemeClr>
             </a:solidFill>
           </a:endParaRPr>
@@ -4723,8 +4878,7 @@
             <a:rPr lang="uk-UA" dirty="0">
               <a:solidFill>
                 <a:schemeClr val="tx2">
-                  <a:lumMod val="60000"/>
-                  <a:lumOff val="40000"/>
+                  <a:lumMod val="75000"/>
                 </a:schemeClr>
               </a:solidFill>
             </a:rPr>
@@ -4733,8 +4887,7 @@
           <a:endParaRPr lang="en-US" dirty="0">
             <a:solidFill>
               <a:schemeClr val="tx2">
-                <a:lumMod val="60000"/>
-                <a:lumOff val="40000"/>
+                <a:lumMod val="75000"/>
               </a:schemeClr>
             </a:solidFill>
           </a:endParaRPr>
@@ -4784,8 +4937,7 @@
             <a:rPr lang="uk-UA" dirty="0">
               <a:solidFill>
                 <a:schemeClr val="tx2">
-                  <a:lumMod val="60000"/>
-                  <a:lumOff val="40000"/>
+                  <a:lumMod val="75000"/>
                 </a:schemeClr>
               </a:solidFill>
             </a:rPr>
@@ -4794,8 +4946,7 @@
           <a:endParaRPr lang="en-US" dirty="0">
             <a:solidFill>
               <a:schemeClr val="tx2">
-                <a:lumMod val="60000"/>
-                <a:lumOff val="40000"/>
+                <a:lumMod val="75000"/>
               </a:schemeClr>
             </a:solidFill>
           </a:endParaRPr>
@@ -4845,8 +4996,7 @@
             <a:rPr lang="uk-UA" dirty="0">
               <a:solidFill>
                 <a:schemeClr val="tx2">
-                  <a:lumMod val="60000"/>
-                  <a:lumOff val="40000"/>
+                  <a:lumMod val="75000"/>
                 </a:schemeClr>
               </a:solidFill>
             </a:rPr>
@@ -4855,8 +5005,7 @@
           <a:endParaRPr lang="en-US" dirty="0">
             <a:solidFill>
               <a:schemeClr val="tx2">
-                <a:lumMod val="60000"/>
-                <a:lumOff val="40000"/>
+                <a:lumMod val="75000"/>
               </a:schemeClr>
             </a:solidFill>
           </a:endParaRPr>
@@ -4906,8 +5055,7 @@
             <a:rPr lang="uk-UA" dirty="0">
               <a:solidFill>
                 <a:schemeClr val="tx2">
-                  <a:lumMod val="60000"/>
-                  <a:lumOff val="40000"/>
+                  <a:lumMod val="75000"/>
                 </a:schemeClr>
               </a:solidFill>
             </a:rPr>
@@ -4916,8 +5064,7 @@
           <a:endParaRPr lang="en-US" dirty="0">
             <a:solidFill>
               <a:schemeClr val="tx2">
-                <a:lumMod val="60000"/>
-                <a:lumOff val="40000"/>
+                <a:lumMod val="75000"/>
               </a:schemeClr>
             </a:solidFill>
           </a:endParaRPr>
@@ -4967,8 +5114,7 @@
             <a:rPr lang="uk-UA" dirty="0">
               <a:solidFill>
                 <a:schemeClr val="tx2">
-                  <a:lumMod val="60000"/>
-                  <a:lumOff val="40000"/>
+                  <a:lumMod val="75000"/>
                 </a:schemeClr>
               </a:solidFill>
             </a:rPr>
@@ -4977,8 +5123,7 @@
           <a:endParaRPr lang="en-US" dirty="0">
             <a:solidFill>
               <a:schemeClr val="tx2">
-                <a:lumMod val="60000"/>
-                <a:lumOff val="40000"/>
+                <a:lumMod val="75000"/>
               </a:schemeClr>
             </a:solidFill>
           </a:endParaRPr>
@@ -5028,8 +5173,7 @@
             <a:rPr lang="uk-UA" dirty="0">
               <a:solidFill>
                 <a:schemeClr val="tx2">
-                  <a:lumMod val="60000"/>
-                  <a:lumOff val="40000"/>
+                  <a:lumMod val="75000"/>
                 </a:schemeClr>
               </a:solidFill>
             </a:rPr>
@@ -5038,8 +5182,7 @@
           <a:endParaRPr lang="en-US" dirty="0">
             <a:solidFill>
               <a:schemeClr val="tx2">
-                <a:lumMod val="60000"/>
-                <a:lumOff val="40000"/>
+                <a:lumMod val="75000"/>
               </a:schemeClr>
             </a:solidFill>
           </a:endParaRPr>
@@ -5089,8 +5232,7 @@
             <a:rPr lang="uk-UA" dirty="0">
               <a:solidFill>
                 <a:schemeClr val="tx2">
-                  <a:lumMod val="60000"/>
-                  <a:lumOff val="40000"/>
+                  <a:lumMod val="75000"/>
                 </a:schemeClr>
               </a:solidFill>
             </a:rPr>
@@ -5099,8 +5241,7 @@
           <a:endParaRPr lang="en-US" dirty="0">
             <a:solidFill>
               <a:schemeClr val="tx2">
-                <a:lumMod val="60000"/>
-                <a:lumOff val="40000"/>
+                <a:lumMod val="75000"/>
               </a:schemeClr>
             </a:solidFill>
           </a:endParaRPr>
@@ -5202,8 +5343,7 @@
             <a:rPr lang="uk-UA" dirty="0">
               <a:solidFill>
                 <a:schemeClr val="tx2">
-                  <a:lumMod val="60000"/>
-                  <a:lumOff val="40000"/>
+                  <a:lumMod val="75000"/>
                 </a:schemeClr>
               </a:solidFill>
             </a:rPr>
@@ -5212,8 +5352,7 @@
           <a:endParaRPr lang="en-US" dirty="0">
             <a:solidFill>
               <a:schemeClr val="tx2">
-                <a:lumMod val="60000"/>
-                <a:lumOff val="40000"/>
+                <a:lumMod val="75000"/>
               </a:schemeClr>
             </a:solidFill>
           </a:endParaRPr>
@@ -5263,8 +5402,7 @@
             <a:rPr lang="uk-UA" dirty="0">
               <a:solidFill>
                 <a:schemeClr val="tx2">
-                  <a:lumMod val="60000"/>
-                  <a:lumOff val="40000"/>
+                  <a:lumMod val="75000"/>
                 </a:schemeClr>
               </a:solidFill>
             </a:rPr>
@@ -5273,8 +5411,7 @@
           <a:endParaRPr lang="en-US" dirty="0">
             <a:solidFill>
               <a:schemeClr val="tx2">
-                <a:lumMod val="60000"/>
-                <a:lumOff val="40000"/>
+                <a:lumMod val="75000"/>
               </a:schemeClr>
             </a:solidFill>
           </a:endParaRPr>
@@ -5324,8 +5461,7 @@
             <a:rPr lang="uk-UA" dirty="0">
               <a:solidFill>
                 <a:schemeClr val="tx2">
-                  <a:lumMod val="60000"/>
-                  <a:lumOff val="40000"/>
+                  <a:lumMod val="75000"/>
                 </a:schemeClr>
               </a:solidFill>
             </a:rPr>
@@ -5334,8 +5470,7 @@
           <a:endParaRPr lang="en-US" dirty="0">
             <a:solidFill>
               <a:schemeClr val="tx2">
-                <a:lumMod val="60000"/>
-                <a:lumOff val="40000"/>
+                <a:lumMod val="75000"/>
               </a:schemeClr>
             </a:solidFill>
           </a:endParaRPr>
@@ -5372,6 +5507,13 @@
         </dgm:presLayoutVars>
       </dgm:prSet>
       <dgm:spPr/>
+      <dgm:t>
+        <a:bodyPr/>
+        <a:lstStyle/>
+        <a:p>
+          <a:endParaRPr lang="uk-UA"/>
+        </a:p>
+      </dgm:t>
     </dgm:pt>
     <dgm:pt modelId="{D8D5D799-B46B-4390-8FEC-6D508CBAD1F1}" type="pres">
       <dgm:prSet presAssocID="{7541B3B8-02FE-46AD-A73F-3896E5938185}" presName="node" presStyleLbl="node1" presStyleIdx="0" presStyleCnt="12">
@@ -5380,6 +5522,13 @@
         </dgm:presLayoutVars>
       </dgm:prSet>
       <dgm:spPr/>
+      <dgm:t>
+        <a:bodyPr/>
+        <a:lstStyle/>
+        <a:p>
+          <a:endParaRPr lang="uk-UA"/>
+        </a:p>
+      </dgm:t>
     </dgm:pt>
     <dgm:pt modelId="{1A21B94B-518B-4993-A681-94A3D086828D}" type="pres">
       <dgm:prSet presAssocID="{D96AB60B-8CE6-4B8A-A9A6-DD11F793C15B}" presName="sibTrans" presStyleCnt="0"/>
@@ -5392,6 +5541,13 @@
         </dgm:presLayoutVars>
       </dgm:prSet>
       <dgm:spPr/>
+      <dgm:t>
+        <a:bodyPr/>
+        <a:lstStyle/>
+        <a:p>
+          <a:endParaRPr lang="uk-UA"/>
+        </a:p>
+      </dgm:t>
     </dgm:pt>
     <dgm:pt modelId="{5AB9811E-A8F7-4D38-9859-93D0CC6DB686}" type="pres">
       <dgm:prSet presAssocID="{8637593F-0D4D-44F6-808F-CD489391EB6B}" presName="sibTrans" presStyleCnt="0"/>
@@ -5404,6 +5560,13 @@
         </dgm:presLayoutVars>
       </dgm:prSet>
       <dgm:spPr/>
+      <dgm:t>
+        <a:bodyPr/>
+        <a:lstStyle/>
+        <a:p>
+          <a:endParaRPr lang="uk-UA"/>
+        </a:p>
+      </dgm:t>
     </dgm:pt>
     <dgm:pt modelId="{38771BCF-5EEE-4C39-A2BE-CDA9F6F6BA58}" type="pres">
       <dgm:prSet presAssocID="{31351C21-2891-4FB0-A190-AA4106AF8BD7}" presName="sibTrans" presStyleCnt="0"/>
@@ -5416,6 +5579,13 @@
         </dgm:presLayoutVars>
       </dgm:prSet>
       <dgm:spPr/>
+      <dgm:t>
+        <a:bodyPr/>
+        <a:lstStyle/>
+        <a:p>
+          <a:endParaRPr lang="uk-UA"/>
+        </a:p>
+      </dgm:t>
     </dgm:pt>
     <dgm:pt modelId="{F6C909D1-6B92-4CFB-B5A1-B78BDA234B0A}" type="pres">
       <dgm:prSet presAssocID="{D4076927-C2EB-44EA-B461-AF9063E31AC3}" presName="sibTrans" presStyleCnt="0"/>
@@ -5428,6 +5598,13 @@
         </dgm:presLayoutVars>
       </dgm:prSet>
       <dgm:spPr/>
+      <dgm:t>
+        <a:bodyPr/>
+        <a:lstStyle/>
+        <a:p>
+          <a:endParaRPr lang="uk-UA"/>
+        </a:p>
+      </dgm:t>
     </dgm:pt>
     <dgm:pt modelId="{B1CCFE11-9C99-49F2-889B-E312558FD318}" type="pres">
       <dgm:prSet presAssocID="{9F72CD0B-8042-4953-9606-1AE5ACDC9FCD}" presName="sibTrans" presStyleCnt="0"/>
@@ -5440,6 +5617,13 @@
         </dgm:presLayoutVars>
       </dgm:prSet>
       <dgm:spPr/>
+      <dgm:t>
+        <a:bodyPr/>
+        <a:lstStyle/>
+        <a:p>
+          <a:endParaRPr lang="uk-UA"/>
+        </a:p>
+      </dgm:t>
     </dgm:pt>
     <dgm:pt modelId="{BE8109F0-50F7-44FE-A846-3FB1DEAF2F80}" type="pres">
       <dgm:prSet presAssocID="{FA5F8605-0670-4112-BA16-4DF909B15648}" presName="sibTrans" presStyleCnt="0"/>
@@ -5452,6 +5636,13 @@
         </dgm:presLayoutVars>
       </dgm:prSet>
       <dgm:spPr/>
+      <dgm:t>
+        <a:bodyPr/>
+        <a:lstStyle/>
+        <a:p>
+          <a:endParaRPr lang="uk-UA"/>
+        </a:p>
+      </dgm:t>
     </dgm:pt>
     <dgm:pt modelId="{6D9D576A-AC70-4FC4-85DD-C299FFB0EDAF}" type="pres">
       <dgm:prSet presAssocID="{010C4C91-EB3E-4AE2-8AC1-0E00A3755970}" presName="sibTrans" presStyleCnt="0"/>
@@ -5464,6 +5655,13 @@
         </dgm:presLayoutVars>
       </dgm:prSet>
       <dgm:spPr/>
+      <dgm:t>
+        <a:bodyPr/>
+        <a:lstStyle/>
+        <a:p>
+          <a:endParaRPr lang="uk-UA"/>
+        </a:p>
+      </dgm:t>
     </dgm:pt>
     <dgm:pt modelId="{46134F14-FE8B-4A85-B754-21C19B5DB785}" type="pres">
       <dgm:prSet presAssocID="{87F954C4-5DF7-4164-B773-06A90DD254C6}" presName="sibTrans" presStyleCnt="0"/>
@@ -5476,6 +5674,13 @@
         </dgm:presLayoutVars>
       </dgm:prSet>
       <dgm:spPr/>
+      <dgm:t>
+        <a:bodyPr/>
+        <a:lstStyle/>
+        <a:p>
+          <a:endParaRPr lang="uk-UA"/>
+        </a:p>
+      </dgm:t>
     </dgm:pt>
     <dgm:pt modelId="{22019742-2895-498A-9E5C-756829D1A4BD}" type="pres">
       <dgm:prSet presAssocID="{C53CABD2-FE3B-45AB-8E69-AFED51EE8722}" presName="sibTrans" presStyleCnt="0"/>
@@ -5488,6 +5693,13 @@
         </dgm:presLayoutVars>
       </dgm:prSet>
       <dgm:spPr/>
+      <dgm:t>
+        <a:bodyPr/>
+        <a:lstStyle/>
+        <a:p>
+          <a:endParaRPr lang="uk-UA"/>
+        </a:p>
+      </dgm:t>
     </dgm:pt>
     <dgm:pt modelId="{C9175546-9894-4D3D-9B4C-5164762300E2}" type="pres">
       <dgm:prSet presAssocID="{A6EB5C33-646F-4E7D-ACBF-18397124697B}" presName="sibTrans" presStyleCnt="0"/>
@@ -5500,6 +5712,13 @@
         </dgm:presLayoutVars>
       </dgm:prSet>
       <dgm:spPr/>
+      <dgm:t>
+        <a:bodyPr/>
+        <a:lstStyle/>
+        <a:p>
+          <a:endParaRPr lang="uk-UA"/>
+        </a:p>
+      </dgm:t>
     </dgm:pt>
     <dgm:pt modelId="{8191E02A-72A5-4ED6-83AF-3DA3E0C24F79}" type="pres">
       <dgm:prSet presAssocID="{6F59A074-467C-4744-A403-B4A5092FAB4A}" presName="sibTrans" presStyleCnt="0"/>
@@ -5512,34 +5731,41 @@
         </dgm:presLayoutVars>
       </dgm:prSet>
       <dgm:spPr/>
+      <dgm:t>
+        <a:bodyPr/>
+        <a:lstStyle/>
+        <a:p>
+          <a:endParaRPr lang="uk-UA"/>
+        </a:p>
+      </dgm:t>
     </dgm:pt>
   </dgm:ptLst>
   <dgm:cxnLst>
+    <dgm:cxn modelId="{7BC0CFDB-EB8D-4A21-84BB-0B4785C3A2A5}" type="presOf" srcId="{586DE574-E7E4-4675-A303-CA657E68722A}" destId="{4CE6FBDF-0380-4720-99D5-BD7BE6151779}" srcOrd="0" destOrd="0" presId="urn:microsoft.com/office/officeart/2005/8/layout/default"/>
+    <dgm:cxn modelId="{85152AE5-51FD-4532-9D14-F6D39D1727CA}" srcId="{C4951D61-0060-425F-92FE-C12392C6BC25}" destId="{586DE574-E7E4-4675-A303-CA657E68722A}" srcOrd="5" destOrd="0" parTransId="{E0127377-FA62-4B1D-9BBB-3F3C31EECAD4}" sibTransId="{FA5F8605-0670-4112-BA16-4DF909B15648}"/>
+    <dgm:cxn modelId="{E3336408-3942-4807-B64C-E569AF54F835}" type="presOf" srcId="{C4951D61-0060-425F-92FE-C12392C6BC25}" destId="{1A52C25C-098F-49EF-9DD6-6ED9C9F80204}" srcOrd="0" destOrd="0" presId="urn:microsoft.com/office/officeart/2005/8/layout/default"/>
+    <dgm:cxn modelId="{A84CB676-E25B-4751-9C58-3F298BD28338}" srcId="{C4951D61-0060-425F-92FE-C12392C6BC25}" destId="{5092E210-81C4-45E8-BC69-9C3DD443879E}" srcOrd="9" destOrd="0" parTransId="{F4CDD20F-4195-495B-AB84-0A6BC7795E75}" sibTransId="{A6EB5C33-646F-4E7D-ACBF-18397124697B}"/>
+    <dgm:cxn modelId="{B72FC90C-3F8C-4C6C-976B-5EDCC7092D2F}" srcId="{C4951D61-0060-425F-92FE-C12392C6BC25}" destId="{0EA34FCF-E135-4B57-B7E4-C36990194E7B}" srcOrd="8" destOrd="0" parTransId="{5C77AB7B-763C-4CFD-8C5C-D027916F76A9}" sibTransId="{C53CABD2-FE3B-45AB-8E69-AFED51EE8722}"/>
     <dgm:cxn modelId="{3A9CF004-6A82-4231-A6F8-6DF74EC9FC7E}" type="presOf" srcId="{9F1DE63C-C1AD-4A06-8610-78345DF99EAD}" destId="{5EE505AB-715C-4F0E-9BCB-F333D22A3F1E}" srcOrd="0" destOrd="0" presId="urn:microsoft.com/office/officeart/2005/8/layout/default"/>
-    <dgm:cxn modelId="{E3336408-3942-4807-B64C-E569AF54F835}" type="presOf" srcId="{C4951D61-0060-425F-92FE-C12392C6BC25}" destId="{1A52C25C-098F-49EF-9DD6-6ED9C9F80204}" srcOrd="0" destOrd="0" presId="urn:microsoft.com/office/officeart/2005/8/layout/default"/>
-    <dgm:cxn modelId="{B72FC90C-3F8C-4C6C-976B-5EDCC7092D2F}" srcId="{C4951D61-0060-425F-92FE-C12392C6BC25}" destId="{0EA34FCF-E135-4B57-B7E4-C36990194E7B}" srcOrd="8" destOrd="0" parTransId="{5C77AB7B-763C-4CFD-8C5C-D027916F76A9}" sibTransId="{C53CABD2-FE3B-45AB-8E69-AFED51EE8722}"/>
+    <dgm:cxn modelId="{B4805569-78D4-4E28-9120-8E0B447968BA}" type="presOf" srcId="{9D7FEAB7-1745-4489-BCA1-CC7258FBF968}" destId="{C7E471C5-4266-451B-AA5D-A96F5978B5FC}" srcOrd="0" destOrd="0" presId="urn:microsoft.com/office/officeart/2005/8/layout/default"/>
+    <dgm:cxn modelId="{97DC9B87-70F1-43DB-BB90-520B7451422C}" type="presOf" srcId="{B234B8D1-C456-4A63-A889-497931C7CA85}" destId="{58E9A38F-01FF-49AE-B9D4-D2473A81C2FB}" srcOrd="0" destOrd="0" presId="urn:microsoft.com/office/officeart/2005/8/layout/default"/>
+    <dgm:cxn modelId="{AE5EADFC-507D-4252-85E5-31A6E7E1EF1D}" type="presOf" srcId="{2F17EA6A-59A3-4066-BAEE-AE80D30B3A81}" destId="{930655B7-3216-428A-8934-14A015714EAD}" srcOrd="0" destOrd="0" presId="urn:microsoft.com/office/officeart/2005/8/layout/default"/>
+    <dgm:cxn modelId="{F6FA7169-4162-45F1-8C1C-FD978CF4609F}" type="presOf" srcId="{5092E210-81C4-45E8-BC69-9C3DD443879E}" destId="{0BEEE785-1D59-407F-9AEC-A00D2E572016}" srcOrd="0" destOrd="0" presId="urn:microsoft.com/office/officeart/2005/8/layout/default"/>
+    <dgm:cxn modelId="{3A36EE75-1D63-4CD4-831A-20A5A004FA19}" type="presOf" srcId="{1FEB77F2-231D-4432-93F1-48C6114AEC74}" destId="{CEA544B6-23EB-4CFC-83E7-D9C15AA2AF43}" srcOrd="0" destOrd="0" presId="urn:microsoft.com/office/officeart/2005/8/layout/default"/>
+    <dgm:cxn modelId="{AFFC2643-DECA-4846-8470-433BC2C8895E}" type="presOf" srcId="{0EA34FCF-E135-4B57-B7E4-C36990194E7B}" destId="{34F4E923-28D0-44CD-945D-136F334D2559}" srcOrd="0" destOrd="0" presId="urn:microsoft.com/office/officeart/2005/8/layout/default"/>
+    <dgm:cxn modelId="{72D3F3A8-834B-4D77-8A8A-9D1146786576}" srcId="{C4951D61-0060-425F-92FE-C12392C6BC25}" destId="{9F1DE63C-C1AD-4A06-8610-78345DF99EAD}" srcOrd="3" destOrd="0" parTransId="{13A691DC-EE3C-47B8-A08E-471ADF0BF1AD}" sibTransId="{D4076927-C2EB-44EA-B461-AF9063E31AC3}"/>
+    <dgm:cxn modelId="{36E9D693-1007-4888-842A-439A8A99EB60}" srcId="{C4951D61-0060-425F-92FE-C12392C6BC25}" destId="{9D7FEAB7-1745-4489-BCA1-CC7258FBF968}" srcOrd="10" destOrd="0" parTransId="{5533D953-F02E-46E8-884B-41F33D1C27E9}" sibTransId="{6F59A074-467C-4744-A403-B4A5092FAB4A}"/>
+    <dgm:cxn modelId="{4F4058DE-1C08-4850-B9CB-709AAF7F9603}" type="presOf" srcId="{7541B3B8-02FE-46AD-A73F-3896E5938185}" destId="{D8D5D799-B46B-4390-8FEC-6D508CBAD1F1}" srcOrd="0" destOrd="0" presId="urn:microsoft.com/office/officeart/2005/8/layout/default"/>
+    <dgm:cxn modelId="{429F2416-F293-4C21-AC52-D95CD5265434}" srcId="{C4951D61-0060-425F-92FE-C12392C6BC25}" destId="{4F749B0A-22BD-4EC0-BB3B-19155B83A688}" srcOrd="4" destOrd="0" parTransId="{2349BC86-95A8-4CB4-9D35-020177E50C76}" sibTransId="{9F72CD0B-8042-4953-9606-1AE5ACDC9FCD}"/>
+    <dgm:cxn modelId="{1EEDA8B0-0DA2-450D-91D6-DABEB258391C}" srcId="{C4951D61-0060-425F-92FE-C12392C6BC25}" destId="{B234B8D1-C456-4A63-A889-497931C7CA85}" srcOrd="2" destOrd="0" parTransId="{BDA6F7B2-B932-4C82-9FC4-654183E7B99A}" sibTransId="{31351C21-2891-4FB0-A190-AA4106AF8BD7}"/>
+    <dgm:cxn modelId="{8706AF59-3C92-45C0-967C-B23BBB2EE8B3}" type="presOf" srcId="{4F749B0A-22BD-4EC0-BB3B-19155B83A688}" destId="{9672A190-E211-4CFC-99C3-57BC9E8231EB}" srcOrd="0" destOrd="0" presId="urn:microsoft.com/office/officeart/2005/8/layout/default"/>
+    <dgm:cxn modelId="{0FD60C56-1107-4DAF-BBFF-62CD338C3AB6}" type="presOf" srcId="{24F55A5B-4D72-447F-B589-6412DC294658}" destId="{9783FBEF-8ABA-4019-8CAE-8609C4382F18}" srcOrd="0" destOrd="0" presId="urn:microsoft.com/office/officeart/2005/8/layout/default"/>
     <dgm:cxn modelId="{992EEA0C-E3C1-4E9C-B876-F0E82F0DB9E8}" srcId="{C4951D61-0060-425F-92FE-C12392C6BC25}" destId="{1FEB77F2-231D-4432-93F1-48C6114AEC74}" srcOrd="1" destOrd="0" parTransId="{A354B5FA-8765-4826-941B-A38591866FED}" sibTransId="{8637593F-0D4D-44F6-808F-CD489391EB6B}"/>
     <dgm:cxn modelId="{54B9280F-7F2B-4F54-BC32-97CC8B2C0F0F}" srcId="{C4951D61-0060-425F-92FE-C12392C6BC25}" destId="{2F17EA6A-59A3-4066-BAEE-AE80D30B3A81}" srcOrd="11" destOrd="0" parTransId="{D21DE4E8-00DC-4E0B-A998-8E57D08D533F}" sibTransId="{D2871D52-F0FF-4915-8274-2E4ACE82E43B}"/>
-    <dgm:cxn modelId="{429F2416-F293-4C21-AC52-D95CD5265434}" srcId="{C4951D61-0060-425F-92FE-C12392C6BC25}" destId="{4F749B0A-22BD-4EC0-BB3B-19155B83A688}" srcOrd="4" destOrd="0" parTransId="{2349BC86-95A8-4CB4-9D35-020177E50C76}" sibTransId="{9F72CD0B-8042-4953-9606-1AE5ACDC9FCD}"/>
+    <dgm:cxn modelId="{9C8D0C9D-1F2E-4A2E-B0AD-DE5EFF8CB92E}" type="presOf" srcId="{B4133510-C8FC-49A3-B6A8-EDDD237F8EDB}" destId="{4D3E0FE7-ECA1-4C6A-BA08-413A15E8157C}" srcOrd="0" destOrd="0" presId="urn:microsoft.com/office/officeart/2005/8/layout/default"/>
     <dgm:cxn modelId="{47F9605B-40DB-463D-98E5-58E3259E63E8}" srcId="{C4951D61-0060-425F-92FE-C12392C6BC25}" destId="{7541B3B8-02FE-46AD-A73F-3896E5938185}" srcOrd="0" destOrd="0" parTransId="{264E4298-7864-4E24-8DEA-0033C98A414D}" sibTransId="{D96AB60B-8CE6-4B8A-A9A6-DD11F793C15B}"/>
-    <dgm:cxn modelId="{AFFC2643-DECA-4846-8470-433BC2C8895E}" type="presOf" srcId="{0EA34FCF-E135-4B57-B7E4-C36990194E7B}" destId="{34F4E923-28D0-44CD-945D-136F334D2559}" srcOrd="0" destOrd="0" presId="urn:microsoft.com/office/officeart/2005/8/layout/default"/>
-    <dgm:cxn modelId="{F6FA7169-4162-45F1-8C1C-FD978CF4609F}" type="presOf" srcId="{5092E210-81C4-45E8-BC69-9C3DD443879E}" destId="{0BEEE785-1D59-407F-9AEC-A00D2E572016}" srcOrd="0" destOrd="0" presId="urn:microsoft.com/office/officeart/2005/8/layout/default"/>
-    <dgm:cxn modelId="{B4805569-78D4-4E28-9120-8E0B447968BA}" type="presOf" srcId="{9D7FEAB7-1745-4489-BCA1-CC7258FBF968}" destId="{C7E471C5-4266-451B-AA5D-A96F5978B5FC}" srcOrd="0" destOrd="0" presId="urn:microsoft.com/office/officeart/2005/8/layout/default"/>
-    <dgm:cxn modelId="{3A36EE75-1D63-4CD4-831A-20A5A004FA19}" type="presOf" srcId="{1FEB77F2-231D-4432-93F1-48C6114AEC74}" destId="{CEA544B6-23EB-4CFC-83E7-D9C15AA2AF43}" srcOrd="0" destOrd="0" presId="urn:microsoft.com/office/officeart/2005/8/layout/default"/>
-    <dgm:cxn modelId="{0FD60C56-1107-4DAF-BBFF-62CD338C3AB6}" type="presOf" srcId="{24F55A5B-4D72-447F-B589-6412DC294658}" destId="{9783FBEF-8ABA-4019-8CAE-8609C4382F18}" srcOrd="0" destOrd="0" presId="urn:microsoft.com/office/officeart/2005/8/layout/default"/>
-    <dgm:cxn modelId="{A84CB676-E25B-4751-9C58-3F298BD28338}" srcId="{C4951D61-0060-425F-92FE-C12392C6BC25}" destId="{5092E210-81C4-45E8-BC69-9C3DD443879E}" srcOrd="9" destOrd="0" parTransId="{F4CDD20F-4195-495B-AB84-0A6BC7795E75}" sibTransId="{A6EB5C33-646F-4E7D-ACBF-18397124697B}"/>
-    <dgm:cxn modelId="{8706AF59-3C92-45C0-967C-B23BBB2EE8B3}" type="presOf" srcId="{4F749B0A-22BD-4EC0-BB3B-19155B83A688}" destId="{9672A190-E211-4CFC-99C3-57BC9E8231EB}" srcOrd="0" destOrd="0" presId="urn:microsoft.com/office/officeart/2005/8/layout/default"/>
-    <dgm:cxn modelId="{97DC9B87-70F1-43DB-BB90-520B7451422C}" type="presOf" srcId="{B234B8D1-C456-4A63-A889-497931C7CA85}" destId="{58E9A38F-01FF-49AE-B9D4-D2473A81C2FB}" srcOrd="0" destOrd="0" presId="urn:microsoft.com/office/officeart/2005/8/layout/default"/>
-    <dgm:cxn modelId="{36E9D693-1007-4888-842A-439A8A99EB60}" srcId="{C4951D61-0060-425F-92FE-C12392C6BC25}" destId="{9D7FEAB7-1745-4489-BCA1-CC7258FBF968}" srcOrd="10" destOrd="0" parTransId="{5533D953-F02E-46E8-884B-41F33D1C27E9}" sibTransId="{6F59A074-467C-4744-A403-B4A5092FAB4A}"/>
-    <dgm:cxn modelId="{9C8D0C9D-1F2E-4A2E-B0AD-DE5EFF8CB92E}" type="presOf" srcId="{B4133510-C8FC-49A3-B6A8-EDDD237F8EDB}" destId="{4D3E0FE7-ECA1-4C6A-BA08-413A15E8157C}" srcOrd="0" destOrd="0" presId="urn:microsoft.com/office/officeart/2005/8/layout/default"/>
-    <dgm:cxn modelId="{72D3F3A8-834B-4D77-8A8A-9D1146786576}" srcId="{C4951D61-0060-425F-92FE-C12392C6BC25}" destId="{9F1DE63C-C1AD-4A06-8610-78345DF99EAD}" srcOrd="3" destOrd="0" parTransId="{13A691DC-EE3C-47B8-A08E-471ADF0BF1AD}" sibTransId="{D4076927-C2EB-44EA-B461-AF9063E31AC3}"/>
-    <dgm:cxn modelId="{1EEDA8B0-0DA2-450D-91D6-DABEB258391C}" srcId="{C4951D61-0060-425F-92FE-C12392C6BC25}" destId="{B234B8D1-C456-4A63-A889-497931C7CA85}" srcOrd="2" destOrd="0" parTransId="{BDA6F7B2-B932-4C82-9FC4-654183E7B99A}" sibTransId="{31351C21-2891-4FB0-A190-AA4106AF8BD7}"/>
     <dgm:cxn modelId="{4D5D5FB9-6D9A-4074-BB4B-196E37977F29}" srcId="{C4951D61-0060-425F-92FE-C12392C6BC25}" destId="{24F55A5B-4D72-447F-B589-6412DC294658}" srcOrd="6" destOrd="0" parTransId="{0C6CAB22-071B-4903-9C8F-0334C841863B}" sibTransId="{010C4C91-EB3E-4AE2-8AC1-0E00A3755970}"/>
     <dgm:cxn modelId="{3950FABB-10CF-44A5-9E88-97DC75D9A55D}" srcId="{C4951D61-0060-425F-92FE-C12392C6BC25}" destId="{B4133510-C8FC-49A3-B6A8-EDDD237F8EDB}" srcOrd="7" destOrd="0" parTransId="{B4C4F36D-828B-4DE6-8E51-49F658292980}" sibTransId="{87F954C4-5DF7-4164-B773-06A90DD254C6}"/>
-    <dgm:cxn modelId="{7BC0CFDB-EB8D-4A21-84BB-0B4785C3A2A5}" type="presOf" srcId="{586DE574-E7E4-4675-A303-CA657E68722A}" destId="{4CE6FBDF-0380-4720-99D5-BD7BE6151779}" srcOrd="0" destOrd="0" presId="urn:microsoft.com/office/officeart/2005/8/layout/default"/>
-    <dgm:cxn modelId="{4F4058DE-1C08-4850-B9CB-709AAF7F9603}" type="presOf" srcId="{7541B3B8-02FE-46AD-A73F-3896E5938185}" destId="{D8D5D799-B46B-4390-8FEC-6D508CBAD1F1}" srcOrd="0" destOrd="0" presId="urn:microsoft.com/office/officeart/2005/8/layout/default"/>
-    <dgm:cxn modelId="{85152AE5-51FD-4532-9D14-F6D39D1727CA}" srcId="{C4951D61-0060-425F-92FE-C12392C6BC25}" destId="{586DE574-E7E4-4675-A303-CA657E68722A}" srcOrd="5" destOrd="0" parTransId="{E0127377-FA62-4B1D-9BBB-3F3C31EECAD4}" sibTransId="{FA5F8605-0670-4112-BA16-4DF909B15648}"/>
-    <dgm:cxn modelId="{AE5EADFC-507D-4252-85E5-31A6E7E1EF1D}" type="presOf" srcId="{2F17EA6A-59A3-4066-BAEE-AE80D30B3A81}" destId="{930655B7-3216-428A-8934-14A015714EAD}" srcOrd="0" destOrd="0" presId="urn:microsoft.com/office/officeart/2005/8/layout/default"/>
     <dgm:cxn modelId="{9519BC64-B46A-4F89-95C1-0B5507B364BC}" type="presParOf" srcId="{1A52C25C-098F-49EF-9DD6-6ED9C9F80204}" destId="{D8D5D799-B46B-4390-8FEC-6D508CBAD1F1}" srcOrd="0" destOrd="0" presId="urn:microsoft.com/office/officeart/2005/8/layout/default"/>
     <dgm:cxn modelId="{47A5D642-C7CD-4C3C-BFA7-C4D013DF2513}" type="presParOf" srcId="{1A52C25C-098F-49EF-9DD6-6ED9C9F80204}" destId="{1A21B94B-518B-4993-A681-94A3D086828D}" srcOrd="1" destOrd="0" presId="urn:microsoft.com/office/officeart/2005/8/layout/default"/>
     <dgm:cxn modelId="{20D81F66-5214-4708-A913-C47509BEAEF2}" type="presParOf" srcId="{1A52C25C-098F-49EF-9DD6-6ED9C9F80204}" destId="{CEA544B6-23EB-4CFC-83E7-D9C15AA2AF43}" srcOrd="2" destOrd="0" presId="urn:microsoft.com/office/officeart/2005/8/layout/default"/>
@@ -5784,6 +6010,13 @@
         </dgm:presLayoutVars>
       </dgm:prSet>
       <dgm:spPr/>
+      <dgm:t>
+        <a:bodyPr/>
+        <a:lstStyle/>
+        <a:p>
+          <a:endParaRPr lang="uk-UA"/>
+        </a:p>
+      </dgm:t>
     </dgm:pt>
     <dgm:pt modelId="{9F9202F3-0614-4014-9AFE-C8716436B530}" type="pres">
       <dgm:prSet presAssocID="{16520626-0267-4E2E-8032-555ED06A8009}" presName="vertOne" presStyleCnt="0"/>
@@ -5796,6 +6029,13 @@
         </dgm:presLayoutVars>
       </dgm:prSet>
       <dgm:spPr/>
+      <dgm:t>
+        <a:bodyPr/>
+        <a:lstStyle/>
+        <a:p>
+          <a:endParaRPr lang="uk-UA"/>
+        </a:p>
+      </dgm:t>
     </dgm:pt>
     <dgm:pt modelId="{BA5FC9B4-7A6E-4D8F-BD9A-6F750370C8D7}" type="pres">
       <dgm:prSet presAssocID="{16520626-0267-4E2E-8032-555ED06A8009}" presName="parTransOne" presStyleCnt="0"/>
@@ -5816,6 +6056,13 @@
         </dgm:presLayoutVars>
       </dgm:prSet>
       <dgm:spPr/>
+      <dgm:t>
+        <a:bodyPr/>
+        <a:lstStyle/>
+        <a:p>
+          <a:endParaRPr lang="uk-UA"/>
+        </a:p>
+      </dgm:t>
     </dgm:pt>
     <dgm:pt modelId="{B15BCFB8-BEA2-4EA8-9488-5A5A5EC991A5}" type="pres">
       <dgm:prSet presAssocID="{F417D967-A183-4542-99A3-168359947653}" presName="horzTwo" presStyleCnt="0"/>
@@ -5836,6 +6083,13 @@
         </dgm:presLayoutVars>
       </dgm:prSet>
       <dgm:spPr/>
+      <dgm:t>
+        <a:bodyPr/>
+        <a:lstStyle/>
+        <a:p>
+          <a:endParaRPr lang="uk-UA"/>
+        </a:p>
+      </dgm:t>
     </dgm:pt>
     <dgm:pt modelId="{EE0361FE-D9EA-4D18-B761-3E14EFC582DE}" type="pres">
       <dgm:prSet presAssocID="{36018B7C-1953-46D6-A4B7-2CB17B6C778E}" presName="horzTwo" presStyleCnt="0"/>
@@ -5856,6 +6110,13 @@
         </dgm:presLayoutVars>
       </dgm:prSet>
       <dgm:spPr/>
+      <dgm:t>
+        <a:bodyPr/>
+        <a:lstStyle/>
+        <a:p>
+          <a:endParaRPr lang="uk-UA"/>
+        </a:p>
+      </dgm:t>
     </dgm:pt>
     <dgm:pt modelId="{33CB71A1-3D7D-486C-B748-44AE49EB83C4}" type="pres">
       <dgm:prSet presAssocID="{2405FF0B-C4F4-4581-B79B-71ADFE019095}" presName="horzTwo" presStyleCnt="0"/>
@@ -5876,6 +6137,13 @@
         </dgm:presLayoutVars>
       </dgm:prSet>
       <dgm:spPr/>
+      <dgm:t>
+        <a:bodyPr/>
+        <a:lstStyle/>
+        <a:p>
+          <a:endParaRPr lang="uk-UA"/>
+        </a:p>
+      </dgm:t>
     </dgm:pt>
     <dgm:pt modelId="{F7676B70-1B42-45FB-B66A-9D8EEC6E3D29}" type="pres">
       <dgm:prSet presAssocID="{8816915F-67B8-448C-A50A-9D4E1F4C3F56}" presName="horzTwo" presStyleCnt="0"/>
@@ -5883,16 +6151,16 @@
     </dgm:pt>
   </dgm:ptLst>
   <dgm:cxnLst>
-    <dgm:cxn modelId="{63CD7A11-8307-4B4F-8CEE-FB3354774CFB}" srcId="{16520626-0267-4E2E-8032-555ED06A8009}" destId="{36018B7C-1953-46D6-A4B7-2CB17B6C778E}" srcOrd="1" destOrd="0" parTransId="{D4DAD3CA-2F80-4570-8C9F-1BE588577730}" sibTransId="{9FA2540B-C9ED-49AF-A71A-A5BFF43F7F23}"/>
+    <dgm:cxn modelId="{81E0A4FA-AD0D-498F-8D55-70B8ED8554BE}" type="presOf" srcId="{16520626-0267-4E2E-8032-555ED06A8009}" destId="{8F8C2569-5358-4E12-B659-D3C2553C2A50}" srcOrd="0" destOrd="0" presId="urn:microsoft.com/office/officeart/2005/8/layout/hierarchy4"/>
+    <dgm:cxn modelId="{3B018281-A069-4C12-B8AE-E929E6A656DE}" type="presOf" srcId="{8816915F-67B8-448C-A50A-9D4E1F4C3F56}" destId="{5DA890D3-B6DE-4AF5-BE1B-572C1F3641C5}" srcOrd="0" destOrd="0" presId="urn:microsoft.com/office/officeart/2005/8/layout/hierarchy4"/>
     <dgm:cxn modelId="{7486AB5D-B6FA-43FA-9AED-10B6CAA75C39}" srcId="{16520626-0267-4E2E-8032-555ED06A8009}" destId="{8816915F-67B8-448C-A50A-9D4E1F4C3F56}" srcOrd="3" destOrd="0" parTransId="{F600E404-F48A-4AD6-B826-67B5B053ED08}" sibTransId="{50B33301-9B3A-4FFD-8B21-56A4837E8891}"/>
-    <dgm:cxn modelId="{80843C5F-4D77-41E7-91E7-9161389DA104}" type="presOf" srcId="{F417D967-A183-4542-99A3-168359947653}" destId="{F2CD2361-FD2F-4FCC-A8CB-A20943125AD2}" srcOrd="0" destOrd="0" presId="urn:microsoft.com/office/officeart/2005/8/layout/hierarchy4"/>
-    <dgm:cxn modelId="{3B018281-A069-4C12-B8AE-E929E6A656DE}" type="presOf" srcId="{8816915F-67B8-448C-A50A-9D4E1F4C3F56}" destId="{5DA890D3-B6DE-4AF5-BE1B-572C1F3641C5}" srcOrd="0" destOrd="0" presId="urn:microsoft.com/office/officeart/2005/8/layout/hierarchy4"/>
-    <dgm:cxn modelId="{3B182D95-247B-4A46-8FFB-681A16B07BCD}" srcId="{16520626-0267-4E2E-8032-555ED06A8009}" destId="{F417D967-A183-4542-99A3-168359947653}" srcOrd="0" destOrd="0" parTransId="{79536CDC-C828-4F82-992B-A3009B9BE37C}" sibTransId="{8E810528-0D02-4317-ACA1-6A3498127E36}"/>
-    <dgm:cxn modelId="{08B8CE97-FB78-44F0-82C4-84EB59AD1A09}" type="presOf" srcId="{2405FF0B-C4F4-4581-B79B-71ADFE019095}" destId="{62BBFE68-C54B-4F37-9DF5-4E21D5A24E2C}" srcOrd="0" destOrd="0" presId="urn:microsoft.com/office/officeart/2005/8/layout/hierarchy4"/>
     <dgm:cxn modelId="{2C905BB2-0ACC-4D3E-A0CD-55E82D57AD26}" type="presOf" srcId="{36018B7C-1953-46D6-A4B7-2CB17B6C778E}" destId="{D68D589A-6D86-40A8-AEB3-C7B18A547C78}" srcOrd="0" destOrd="0" presId="urn:microsoft.com/office/officeart/2005/8/layout/hierarchy4"/>
     <dgm:cxn modelId="{C76674B9-BE61-4C9B-B5C8-313D9D4C414A}" srcId="{16520626-0267-4E2E-8032-555ED06A8009}" destId="{2405FF0B-C4F4-4581-B79B-71ADFE019095}" srcOrd="2" destOrd="0" parTransId="{06F79223-2CF2-4A52-A57B-1A47F8B93B9C}" sibTransId="{2F5216EC-39A7-4902-9B8E-973E77E25D83}"/>
+    <dgm:cxn modelId="{63CD7A11-8307-4B4F-8CEE-FB3354774CFB}" srcId="{16520626-0267-4E2E-8032-555ED06A8009}" destId="{36018B7C-1953-46D6-A4B7-2CB17B6C778E}" srcOrd="1" destOrd="0" parTransId="{D4DAD3CA-2F80-4570-8C9F-1BE588577730}" sibTransId="{9FA2540B-C9ED-49AF-A71A-A5BFF43F7F23}"/>
+    <dgm:cxn modelId="{08B8CE97-FB78-44F0-82C4-84EB59AD1A09}" type="presOf" srcId="{2405FF0B-C4F4-4581-B79B-71ADFE019095}" destId="{62BBFE68-C54B-4F37-9DF5-4E21D5A24E2C}" srcOrd="0" destOrd="0" presId="urn:microsoft.com/office/officeart/2005/8/layout/hierarchy4"/>
+    <dgm:cxn modelId="{3B182D95-247B-4A46-8FFB-681A16B07BCD}" srcId="{16520626-0267-4E2E-8032-555ED06A8009}" destId="{F417D967-A183-4542-99A3-168359947653}" srcOrd="0" destOrd="0" parTransId="{79536CDC-C828-4F82-992B-A3009B9BE37C}" sibTransId="{8E810528-0D02-4317-ACA1-6A3498127E36}"/>
     <dgm:cxn modelId="{DF39A9CD-57DA-4DEE-B601-36A44EE8C7B4}" type="presOf" srcId="{3D6BC25B-7100-4A24-B19C-643A9EB7CB6E}" destId="{C6171BA5-C03B-4B95-896D-BC9F9F9DE1AC}" srcOrd="0" destOrd="0" presId="urn:microsoft.com/office/officeart/2005/8/layout/hierarchy4"/>
-    <dgm:cxn modelId="{81E0A4FA-AD0D-498F-8D55-70B8ED8554BE}" type="presOf" srcId="{16520626-0267-4E2E-8032-555ED06A8009}" destId="{8F8C2569-5358-4E12-B659-D3C2553C2A50}" srcOrd="0" destOrd="0" presId="urn:microsoft.com/office/officeart/2005/8/layout/hierarchy4"/>
+    <dgm:cxn modelId="{80843C5F-4D77-41E7-91E7-9161389DA104}" type="presOf" srcId="{F417D967-A183-4542-99A3-168359947653}" destId="{F2CD2361-FD2F-4FCC-A8CB-A20943125AD2}" srcOrd="0" destOrd="0" presId="urn:microsoft.com/office/officeart/2005/8/layout/hierarchy4"/>
     <dgm:cxn modelId="{4AC50DFF-222D-438A-A47A-C020495DB7F8}" srcId="{3D6BC25B-7100-4A24-B19C-643A9EB7CB6E}" destId="{16520626-0267-4E2E-8032-555ED06A8009}" srcOrd="0" destOrd="0" parTransId="{0ED9883B-12C2-4228-B5B6-55EA27C8E3EC}" sibTransId="{ACDFB13E-DC3A-4D63-8173-46C318AB603F}"/>
     <dgm:cxn modelId="{F6637532-7D9E-4801-90F9-7F7C2CBF8022}" type="presParOf" srcId="{C6171BA5-C03B-4B95-896D-BC9F9F9DE1AC}" destId="{9F9202F3-0614-4014-9AFE-C8716436B530}" srcOrd="0" destOrd="0" presId="urn:microsoft.com/office/officeart/2005/8/layout/hierarchy4"/>
     <dgm:cxn modelId="{D6DD1D58-4042-4B7F-9797-AB87B7A01933}" type="presParOf" srcId="{9F9202F3-0614-4014-9AFE-C8716436B530}" destId="{8F8C2569-5358-4E12-B659-D3C2553C2A50}" srcOrd="0" destOrd="0" presId="urn:microsoft.com/office/officeart/2005/8/layout/hierarchy4"/>
@@ -5986,6 +6254,13 @@
         </dgm:presLayoutVars>
       </dgm:prSet>
       <dgm:spPr/>
+      <dgm:t>
+        <a:bodyPr/>
+        <a:lstStyle/>
+        <a:p>
+          <a:endParaRPr lang="uk-UA"/>
+        </a:p>
+      </dgm:t>
     </dgm:pt>
     <dgm:pt modelId="{DCFEC88D-9101-415D-B313-B4EF75122D1F}" type="pres">
       <dgm:prSet presAssocID="{03493D4E-7036-41FE-802D-233B47EA7A86}" presName="vertOne" presStyleCnt="0"/>
@@ -5998,6 +6273,13 @@
         </dgm:presLayoutVars>
       </dgm:prSet>
       <dgm:spPr/>
+      <dgm:t>
+        <a:bodyPr/>
+        <a:lstStyle/>
+        <a:p>
+          <a:endParaRPr lang="uk-UA"/>
+        </a:p>
+      </dgm:t>
     </dgm:pt>
     <dgm:pt modelId="{C2ACF490-F13F-4294-999C-B4B038BC7558}" type="pres">
       <dgm:prSet presAssocID="{03493D4E-7036-41FE-802D-233B47EA7A86}" presName="horzOne" presStyleCnt="0"/>
@@ -6074,7 +6356,7 @@
         </a:bodyPr>
         <a:lstStyle/>
         <a:p>
-          <a:pPr marL="0" lvl="0" indent="0" algn="ctr" defTabSz="1066800">
+          <a:pPr lvl="0" algn="ctr" defTabSz="1066800">
             <a:lnSpc>
               <a:spcPct val="90000"/>
             </a:lnSpc>
@@ -6084,7 +6366,6 @@
             <a:spcAft>
               <a:spcPct val="35000"/>
             </a:spcAft>
-            <a:buNone/>
           </a:pPr>
           <a:r>
             <a:rPr lang="uk-UA" sz="2400" kern="1200" dirty="0">
@@ -6157,7 +6438,7 @@
         </a:bodyPr>
         <a:lstStyle/>
         <a:p>
-          <a:pPr marL="0" lvl="0" indent="0" algn="ctr" defTabSz="711200">
+          <a:pPr lvl="0" algn="ctr" defTabSz="711200">
             <a:lnSpc>
               <a:spcPct val="90000"/>
             </a:lnSpc>
@@ -6167,7 +6448,6 @@
             <a:spcAft>
               <a:spcPct val="35000"/>
             </a:spcAft>
-            <a:buNone/>
           </a:pPr>
           <a:r>
             <a:rPr lang="uk-UA" sz="1600" kern="1200" dirty="0">
@@ -6240,7 +6520,7 @@
         </a:bodyPr>
         <a:lstStyle/>
         <a:p>
-          <a:pPr marL="0" lvl="0" indent="0" algn="ctr" defTabSz="711200">
+          <a:pPr lvl="0" algn="ctr" defTabSz="711200">
             <a:lnSpc>
               <a:spcPct val="90000"/>
             </a:lnSpc>
@@ -6250,7 +6530,6 @@
             <a:spcAft>
               <a:spcPct val="35000"/>
             </a:spcAft>
-            <a:buNone/>
           </a:pPr>
           <a:r>
             <a:rPr lang="uk-UA" sz="1600" kern="1200" dirty="0">
@@ -6323,7 +6602,7 @@
         </a:bodyPr>
         <a:lstStyle/>
         <a:p>
-          <a:pPr marL="0" lvl="0" indent="0" algn="ctr" defTabSz="711200">
+          <a:pPr lvl="0" algn="ctr" defTabSz="711200">
             <a:lnSpc>
               <a:spcPct val="90000"/>
             </a:lnSpc>
@@ -6333,7 +6612,6 @@
             <a:spcAft>
               <a:spcPct val="35000"/>
             </a:spcAft>
-            <a:buNone/>
           </a:pPr>
           <a:r>
             <a:rPr lang="uk-UA" sz="1600" kern="1200" dirty="0">
@@ -6403,7 +6681,7 @@
         </a:bodyPr>
         <a:lstStyle/>
         <a:p>
-          <a:pPr marL="0" lvl="0" indent="0" algn="ctr" defTabSz="1066800">
+          <a:pPr lvl="0" algn="ctr" defTabSz="1066800">
             <a:lnSpc>
               <a:spcPct val="90000"/>
             </a:lnSpc>
@@ -6413,7 +6691,6 @@
             <a:spcAft>
               <a:spcPct val="35000"/>
             </a:spcAft>
-            <a:buNone/>
           </a:pPr>
           <a:r>
             <a:rPr lang="uk-UA" sz="2400" kern="1200" dirty="0">
@@ -6486,7 +6763,7 @@
         </a:bodyPr>
         <a:lstStyle/>
         <a:p>
-          <a:pPr marL="0" lvl="0" indent="0" algn="ctr" defTabSz="711200">
+          <a:pPr lvl="0" algn="ctr" defTabSz="711200">
             <a:lnSpc>
               <a:spcPct val="90000"/>
             </a:lnSpc>
@@ -6496,7 +6773,6 @@
             <a:spcAft>
               <a:spcPct val="35000"/>
             </a:spcAft>
-            <a:buNone/>
           </a:pPr>
           <a:r>
             <a:rPr lang="uk-UA" sz="1600" kern="1200" dirty="0">
@@ -6569,7 +6845,7 @@
         </a:bodyPr>
         <a:lstStyle/>
         <a:p>
-          <a:pPr marL="0" lvl="0" indent="0" algn="ctr" defTabSz="711200">
+          <a:pPr lvl="0" algn="ctr" defTabSz="711200">
             <a:lnSpc>
               <a:spcPct val="90000"/>
             </a:lnSpc>
@@ -6579,7 +6855,6 @@
             <a:spcAft>
               <a:spcPct val="35000"/>
             </a:spcAft>
-            <a:buNone/>
           </a:pPr>
           <a:r>
             <a:rPr lang="uk-UA" sz="1600" kern="1200" dirty="0">
@@ -6652,7 +6927,7 @@
         </a:bodyPr>
         <a:lstStyle/>
         <a:p>
-          <a:pPr marL="0" lvl="0" indent="0" algn="ctr" defTabSz="711200">
+          <a:pPr lvl="0" algn="ctr" defTabSz="711200">
             <a:lnSpc>
               <a:spcPct val="90000"/>
             </a:lnSpc>
@@ -6662,7 +6937,6 @@
             <a:spcAft>
               <a:spcPct val="35000"/>
             </a:spcAft>
-            <a:buNone/>
           </a:pPr>
           <a:r>
             <a:rPr lang="uk-UA" sz="1600" kern="1200" dirty="0">
@@ -6735,7 +7009,7 @@
         </a:bodyPr>
         <a:lstStyle/>
         <a:p>
-          <a:pPr marL="0" lvl="0" indent="0" algn="ctr" defTabSz="711200">
+          <a:pPr lvl="0" algn="ctr" defTabSz="711200">
             <a:lnSpc>
               <a:spcPct val="90000"/>
             </a:lnSpc>
@@ -6745,7 +7019,6 @@
             <a:spcAft>
               <a:spcPct val="35000"/>
             </a:spcAft>
-            <a:buNone/>
           </a:pPr>
           <a:r>
             <a:rPr lang="uk-UA" sz="1600" kern="1200" dirty="0">
@@ -6815,7 +7088,7 @@
         </a:bodyPr>
         <a:lstStyle/>
         <a:p>
-          <a:pPr marL="0" lvl="0" indent="0" algn="ctr" defTabSz="1066800">
+          <a:pPr lvl="0" algn="ctr" defTabSz="1066800">
             <a:lnSpc>
               <a:spcPct val="90000"/>
             </a:lnSpc>
@@ -6825,7 +7098,6 @@
             <a:spcAft>
               <a:spcPct val="35000"/>
             </a:spcAft>
-            <a:buNone/>
           </a:pPr>
           <a:r>
             <a:rPr lang="uk-UA" sz="2400" kern="1200" dirty="0">
@@ -6918,7 +7190,7 @@
         </a:bodyPr>
         <a:lstStyle/>
         <a:p>
-          <a:pPr marL="0" lvl="0" indent="0" algn="ctr" defTabSz="755650">
+          <a:pPr lvl="0" algn="ctr" defTabSz="755650">
             <a:lnSpc>
               <a:spcPct val="90000"/>
             </a:lnSpc>
@@ -6928,7 +7200,6 @@
             <a:spcAft>
               <a:spcPct val="35000"/>
             </a:spcAft>
-            <a:buNone/>
           </a:pPr>
           <a:r>
             <a:rPr lang="uk-UA" sz="1700" kern="1200" dirty="0">
@@ -7001,7 +7272,7 @@
         </a:bodyPr>
         <a:lstStyle/>
         <a:p>
-          <a:pPr marL="0" lvl="0" indent="0" algn="ctr" defTabSz="755650">
+          <a:pPr lvl="0" algn="ctr" defTabSz="755650">
             <a:lnSpc>
               <a:spcPct val="90000"/>
             </a:lnSpc>
@@ -7011,7 +7282,6 @@
             <a:spcAft>
               <a:spcPct val="35000"/>
             </a:spcAft>
-            <a:buNone/>
           </a:pPr>
           <a:r>
             <a:rPr lang="uk-UA" sz="1700" kern="1200" dirty="0">
@@ -7084,7 +7354,7 @@
         </a:bodyPr>
         <a:lstStyle/>
         <a:p>
-          <a:pPr marL="0" lvl="0" indent="0" algn="ctr" defTabSz="755650">
+          <a:pPr lvl="0" algn="ctr" defTabSz="755650">
             <a:lnSpc>
               <a:spcPct val="90000"/>
             </a:lnSpc>
@@ -7094,7 +7364,6 @@
             <a:spcAft>
               <a:spcPct val="35000"/>
             </a:spcAft>
-            <a:buNone/>
           </a:pPr>
           <a:r>
             <a:rPr lang="uk-UA" sz="1700" kern="1200" dirty="0">
@@ -7167,7 +7436,7 @@
         </a:bodyPr>
         <a:lstStyle/>
         <a:p>
-          <a:pPr marL="0" lvl="0" indent="0" algn="ctr" defTabSz="755650">
+          <a:pPr lvl="0" algn="ctr" defTabSz="755650">
             <a:lnSpc>
               <a:spcPct val="90000"/>
             </a:lnSpc>
@@ -7177,7 +7446,6 @@
             <a:spcAft>
               <a:spcPct val="35000"/>
             </a:spcAft>
-            <a:buNone/>
           </a:pPr>
           <a:r>
             <a:rPr lang="uk-UA" sz="1700" kern="1200" dirty="0">
@@ -7247,7 +7515,7 @@
         </a:bodyPr>
         <a:lstStyle/>
         <a:p>
-          <a:pPr marL="0" lvl="0" indent="0" algn="ctr" defTabSz="1066800">
+          <a:pPr lvl="0" algn="ctr" defTabSz="1066800">
             <a:lnSpc>
               <a:spcPct val="90000"/>
             </a:lnSpc>
@@ -7257,7 +7525,6 @@
             <a:spcAft>
               <a:spcPct val="35000"/>
             </a:spcAft>
-            <a:buNone/>
           </a:pPr>
           <a:r>
             <a:rPr lang="uk-UA" sz="2400" kern="1200" dirty="0">
@@ -7330,7 +7597,7 @@
         </a:bodyPr>
         <a:lstStyle/>
         <a:p>
-          <a:pPr marL="0" lvl="0" indent="0" algn="ctr" defTabSz="711200">
+          <a:pPr lvl="0" algn="ctr" defTabSz="711200">
             <a:lnSpc>
               <a:spcPct val="90000"/>
             </a:lnSpc>
@@ -7340,7 +7607,6 @@
             <a:spcAft>
               <a:spcPct val="35000"/>
             </a:spcAft>
-            <a:buNone/>
           </a:pPr>
           <a:r>
             <a:rPr lang="uk-UA" sz="1600" kern="1200" dirty="0">
@@ -7413,7 +7679,7 @@
         </a:bodyPr>
         <a:lstStyle/>
         <a:p>
-          <a:pPr marL="0" lvl="0" indent="0" algn="ctr" defTabSz="711200">
+          <a:pPr lvl="0" algn="ctr" defTabSz="711200">
             <a:lnSpc>
               <a:spcPct val="90000"/>
             </a:lnSpc>
@@ -7423,7 +7689,6 @@
             <a:spcAft>
               <a:spcPct val="35000"/>
             </a:spcAft>
-            <a:buNone/>
           </a:pPr>
           <a:r>
             <a:rPr lang="uk-UA" sz="1600" kern="1200" dirty="0">
@@ -7496,7 +7761,7 @@
         </a:bodyPr>
         <a:lstStyle/>
         <a:p>
-          <a:pPr marL="0" lvl="0" indent="0" algn="ctr" defTabSz="711200">
+          <a:pPr lvl="0" algn="ctr" defTabSz="711200">
             <a:lnSpc>
               <a:spcPct val="90000"/>
             </a:lnSpc>
@@ -7506,7 +7771,6 @@
             <a:spcAft>
               <a:spcPct val="35000"/>
             </a:spcAft>
-            <a:buNone/>
           </a:pPr>
           <a:r>
             <a:rPr lang="uk-UA" sz="1600" kern="1200" dirty="0">
@@ -7589,7 +7853,7 @@
         </a:bodyPr>
         <a:lstStyle/>
         <a:p>
-          <a:pPr marL="0" lvl="0" indent="0" algn="ctr" defTabSz="844550">
+          <a:pPr lvl="0" algn="ctr" defTabSz="844550">
             <a:lnSpc>
               <a:spcPct val="90000"/>
             </a:lnSpc>
@@ -7599,14 +7863,12 @@
             <a:spcAft>
               <a:spcPct val="35000"/>
             </a:spcAft>
-            <a:buNone/>
           </a:pPr>
           <a:r>
             <a:rPr lang="x-none" sz="1900" kern="1200" dirty="0">
               <a:solidFill>
                 <a:schemeClr val="tx2">
-                  <a:lumMod val="60000"/>
-                  <a:lumOff val="40000"/>
+                  <a:lumMod val="75000"/>
                 </a:schemeClr>
               </a:solidFill>
             </a:rPr>
@@ -7616,8 +7878,7 @@
             <a:rPr lang="uk-UA" sz="1900" kern="1200" dirty="0">
               <a:solidFill>
                 <a:schemeClr val="tx2">
-                  <a:lumMod val="60000"/>
-                  <a:lumOff val="40000"/>
+                  <a:lumMod val="75000"/>
                 </a:schemeClr>
               </a:solidFill>
             </a:rPr>
@@ -7627,8 +7888,7 @@
             <a:rPr lang="x-none" sz="1900" kern="1200" dirty="0">
               <a:solidFill>
                 <a:schemeClr val="tx2">
-                  <a:lumMod val="60000"/>
-                  <a:lumOff val="40000"/>
+                  <a:lumMod val="75000"/>
                 </a:schemeClr>
               </a:solidFill>
             </a:rPr>
@@ -7638,8 +7898,7 @@
             <a:rPr lang="uk-UA" sz="1900" kern="1200" dirty="0">
               <a:solidFill>
                 <a:schemeClr val="tx2">
-                  <a:lumMod val="60000"/>
-                  <a:lumOff val="40000"/>
+                  <a:lumMod val="75000"/>
                 </a:schemeClr>
               </a:solidFill>
             </a:rPr>
@@ -7649,8 +7908,7 @@
             <a:rPr lang="x-none" sz="1900" kern="1200" dirty="0">
               <a:solidFill>
                 <a:schemeClr val="tx2">
-                  <a:lumMod val="60000"/>
-                  <a:lumOff val="40000"/>
+                  <a:lumMod val="75000"/>
                 </a:schemeClr>
               </a:solidFill>
             </a:rPr>
@@ -7659,8 +7917,7 @@
           <a:endParaRPr lang="en-US" sz="1900" kern="1200" dirty="0">
             <a:solidFill>
               <a:schemeClr val="tx2">
-                <a:lumMod val="60000"/>
-                <a:lumOff val="40000"/>
+                <a:lumMod val="75000"/>
               </a:schemeClr>
             </a:solidFill>
           </a:endParaRPr>
@@ -7716,7 +7973,7 @@
         </a:bodyPr>
         <a:lstStyle/>
         <a:p>
-          <a:pPr marL="0" lvl="0" indent="0" algn="ctr" defTabSz="844550">
+          <a:pPr lvl="0" algn="ctr" defTabSz="844550">
             <a:lnSpc>
               <a:spcPct val="90000"/>
             </a:lnSpc>
@@ -7726,14 +7983,12 @@
             <a:spcAft>
               <a:spcPct val="35000"/>
             </a:spcAft>
-            <a:buNone/>
           </a:pPr>
           <a:r>
             <a:rPr lang="uk-UA" sz="1900" kern="1200" dirty="0">
               <a:solidFill>
                 <a:schemeClr val="tx2">
-                  <a:lumMod val="60000"/>
-                  <a:lumOff val="40000"/>
+                  <a:lumMod val="75000"/>
                 </a:schemeClr>
               </a:solidFill>
             </a:rPr>
@@ -7742,8 +7997,7 @@
           <a:endParaRPr lang="en-US" sz="1900" kern="1200" dirty="0">
             <a:solidFill>
               <a:schemeClr val="tx2">
-                <a:lumMod val="60000"/>
-                <a:lumOff val="40000"/>
+                <a:lumMod val="75000"/>
               </a:schemeClr>
             </a:solidFill>
           </a:endParaRPr>
@@ -7796,7 +8050,7 @@
         </a:bodyPr>
         <a:lstStyle/>
         <a:p>
-          <a:pPr marL="0" lvl="0" indent="0" algn="ctr" defTabSz="844550">
+          <a:pPr lvl="0" algn="ctr" defTabSz="844550">
             <a:lnSpc>
               <a:spcPct val="90000"/>
             </a:lnSpc>
@@ -7806,7 +8060,6 @@
             <a:spcAft>
               <a:spcPct val="35000"/>
             </a:spcAft>
-            <a:buNone/>
           </a:pPr>
           <a:r>
             <a:rPr lang="uk-UA" sz="1900" kern="1200" dirty="0">
@@ -7873,7 +8126,7 @@
         </a:bodyPr>
         <a:lstStyle/>
         <a:p>
-          <a:pPr marL="0" lvl="0" indent="0" algn="ctr" defTabSz="844550">
+          <a:pPr lvl="0" algn="ctr" defTabSz="844550">
             <a:lnSpc>
               <a:spcPct val="90000"/>
             </a:lnSpc>
@@ -7883,14 +8136,12 @@
             <a:spcAft>
               <a:spcPct val="35000"/>
             </a:spcAft>
-            <a:buNone/>
           </a:pPr>
           <a:r>
             <a:rPr lang="uk-UA" sz="1900" kern="1200" dirty="0">
               <a:solidFill>
                 <a:schemeClr val="tx2">
-                  <a:lumMod val="60000"/>
-                  <a:lumOff val="40000"/>
+                  <a:lumMod val="75000"/>
                 </a:schemeClr>
               </a:solidFill>
             </a:rPr>
@@ -7899,8 +8150,7 @@
           <a:endParaRPr lang="en-US" sz="1900" kern="1200" dirty="0">
             <a:solidFill>
               <a:schemeClr val="tx2">
-                <a:lumMod val="60000"/>
-                <a:lumOff val="40000"/>
+                <a:lumMod val="75000"/>
               </a:schemeClr>
             </a:solidFill>
           </a:endParaRPr>
@@ -7956,7 +8206,7 @@
         </a:bodyPr>
         <a:lstStyle/>
         <a:p>
-          <a:pPr marL="0" lvl="0" indent="0" algn="ctr" defTabSz="844550">
+          <a:pPr lvl="0" algn="ctr" defTabSz="844550">
             <a:lnSpc>
               <a:spcPct val="90000"/>
             </a:lnSpc>
@@ -7966,14 +8216,12 @@
             <a:spcAft>
               <a:spcPct val="35000"/>
             </a:spcAft>
-            <a:buNone/>
           </a:pPr>
           <a:r>
             <a:rPr lang="uk-UA" sz="1900" kern="1200" dirty="0">
               <a:solidFill>
                 <a:schemeClr val="tx2">
-                  <a:lumMod val="60000"/>
-                  <a:lumOff val="40000"/>
+                  <a:lumMod val="75000"/>
                 </a:schemeClr>
               </a:solidFill>
             </a:rPr>
@@ -7982,8 +8230,7 @@
           <a:endParaRPr lang="en-US" sz="1900" kern="1200" dirty="0">
             <a:solidFill>
               <a:schemeClr val="tx2">
-                <a:lumMod val="60000"/>
-                <a:lumOff val="40000"/>
+                <a:lumMod val="75000"/>
               </a:schemeClr>
             </a:solidFill>
           </a:endParaRPr>
@@ -8039,7 +8286,7 @@
         </a:bodyPr>
         <a:lstStyle/>
         <a:p>
-          <a:pPr marL="0" lvl="0" indent="0" algn="ctr" defTabSz="844550">
+          <a:pPr lvl="0" algn="ctr" defTabSz="844550">
             <a:lnSpc>
               <a:spcPct val="90000"/>
             </a:lnSpc>
@@ -8049,14 +8296,12 @@
             <a:spcAft>
               <a:spcPct val="35000"/>
             </a:spcAft>
-            <a:buNone/>
           </a:pPr>
           <a:r>
             <a:rPr lang="uk-UA" sz="1900" kern="1200" dirty="0">
               <a:solidFill>
                 <a:schemeClr val="tx2">
-                  <a:lumMod val="60000"/>
-                  <a:lumOff val="40000"/>
+                  <a:lumMod val="75000"/>
                 </a:schemeClr>
               </a:solidFill>
             </a:rPr>
@@ -8065,8 +8310,7 @@
           <a:endParaRPr lang="en-US" sz="1900" kern="1200" dirty="0">
             <a:solidFill>
               <a:schemeClr val="tx2">
-                <a:lumMod val="60000"/>
-                <a:lumOff val="40000"/>
+                <a:lumMod val="75000"/>
               </a:schemeClr>
             </a:solidFill>
           </a:endParaRPr>
@@ -8122,7 +8366,7 @@
         </a:bodyPr>
         <a:lstStyle/>
         <a:p>
-          <a:pPr marL="0" lvl="0" indent="0" algn="ctr" defTabSz="844550">
+          <a:pPr lvl="0" algn="ctr" defTabSz="844550">
             <a:lnSpc>
               <a:spcPct val="90000"/>
             </a:lnSpc>
@@ -8132,14 +8376,12 @@
             <a:spcAft>
               <a:spcPct val="35000"/>
             </a:spcAft>
-            <a:buNone/>
           </a:pPr>
           <a:r>
             <a:rPr lang="uk-UA" sz="1900" kern="1200" dirty="0">
               <a:solidFill>
                 <a:schemeClr val="tx2">
-                  <a:lumMod val="60000"/>
-                  <a:lumOff val="40000"/>
+                  <a:lumMod val="75000"/>
                 </a:schemeClr>
               </a:solidFill>
             </a:rPr>
@@ -8148,8 +8390,7 @@
           <a:endParaRPr lang="en-US" sz="1900" kern="1200" dirty="0">
             <a:solidFill>
               <a:schemeClr val="tx2">
-                <a:lumMod val="60000"/>
-                <a:lumOff val="40000"/>
+                <a:lumMod val="75000"/>
               </a:schemeClr>
             </a:solidFill>
           </a:endParaRPr>
@@ -8205,7 +8446,7 @@
         </a:bodyPr>
         <a:lstStyle/>
         <a:p>
-          <a:pPr marL="0" lvl="0" indent="0" algn="ctr" defTabSz="844550">
+          <a:pPr lvl="0" algn="ctr" defTabSz="844550">
             <a:lnSpc>
               <a:spcPct val="90000"/>
             </a:lnSpc>
@@ -8215,14 +8456,12 @@
             <a:spcAft>
               <a:spcPct val="35000"/>
             </a:spcAft>
-            <a:buNone/>
           </a:pPr>
           <a:r>
             <a:rPr lang="uk-UA" sz="1900" kern="1200" dirty="0">
               <a:solidFill>
                 <a:schemeClr val="tx2">
-                  <a:lumMod val="60000"/>
-                  <a:lumOff val="40000"/>
+                  <a:lumMod val="75000"/>
                 </a:schemeClr>
               </a:solidFill>
             </a:rPr>
@@ -8231,8 +8470,7 @@
           <a:endParaRPr lang="en-US" sz="1900" kern="1200" dirty="0">
             <a:solidFill>
               <a:schemeClr val="tx2">
-                <a:lumMod val="60000"/>
-                <a:lumOff val="40000"/>
+                <a:lumMod val="75000"/>
               </a:schemeClr>
             </a:solidFill>
           </a:endParaRPr>
@@ -8288,7 +8526,7 @@
         </a:bodyPr>
         <a:lstStyle/>
         <a:p>
-          <a:pPr marL="0" lvl="0" indent="0" algn="ctr" defTabSz="844550">
+          <a:pPr lvl="0" algn="ctr" defTabSz="844550">
             <a:lnSpc>
               <a:spcPct val="90000"/>
             </a:lnSpc>
@@ -8298,14 +8536,12 @@
             <a:spcAft>
               <a:spcPct val="35000"/>
             </a:spcAft>
-            <a:buNone/>
           </a:pPr>
           <a:r>
             <a:rPr lang="uk-UA" sz="1900" kern="1200" dirty="0">
               <a:solidFill>
                 <a:schemeClr val="tx2">
-                  <a:lumMod val="60000"/>
-                  <a:lumOff val="40000"/>
+                  <a:lumMod val="75000"/>
                 </a:schemeClr>
               </a:solidFill>
             </a:rPr>
@@ -8314,8 +8550,7 @@
           <a:endParaRPr lang="en-US" sz="1900" kern="1200" dirty="0">
             <a:solidFill>
               <a:schemeClr val="tx2">
-                <a:lumMod val="60000"/>
-                <a:lumOff val="40000"/>
+                <a:lumMod val="75000"/>
               </a:schemeClr>
             </a:solidFill>
           </a:endParaRPr>
@@ -8371,7 +8606,7 @@
         </a:bodyPr>
         <a:lstStyle/>
         <a:p>
-          <a:pPr marL="0" lvl="0" indent="0" algn="ctr" defTabSz="844550">
+          <a:pPr lvl="0" algn="ctr" defTabSz="844550">
             <a:lnSpc>
               <a:spcPct val="90000"/>
             </a:lnSpc>
@@ -8381,14 +8616,12 @@
             <a:spcAft>
               <a:spcPct val="35000"/>
             </a:spcAft>
-            <a:buNone/>
           </a:pPr>
           <a:r>
             <a:rPr lang="uk-UA" sz="1900" kern="1200" dirty="0">
               <a:solidFill>
                 <a:schemeClr val="tx2">
-                  <a:lumMod val="60000"/>
-                  <a:lumOff val="40000"/>
+                  <a:lumMod val="75000"/>
                 </a:schemeClr>
               </a:solidFill>
             </a:rPr>
@@ -8397,8 +8630,7 @@
           <a:endParaRPr lang="en-US" sz="1900" kern="1200" dirty="0">
             <a:solidFill>
               <a:schemeClr val="tx2">
-                <a:lumMod val="60000"/>
-                <a:lumOff val="40000"/>
+                <a:lumMod val="75000"/>
               </a:schemeClr>
             </a:solidFill>
           </a:endParaRPr>
@@ -8454,7 +8686,7 @@
         </a:bodyPr>
         <a:lstStyle/>
         <a:p>
-          <a:pPr marL="0" lvl="0" indent="0" algn="ctr" defTabSz="844550">
+          <a:pPr lvl="0" algn="ctr" defTabSz="844550">
             <a:lnSpc>
               <a:spcPct val="90000"/>
             </a:lnSpc>
@@ -8464,14 +8696,12 @@
             <a:spcAft>
               <a:spcPct val="35000"/>
             </a:spcAft>
-            <a:buNone/>
           </a:pPr>
           <a:r>
             <a:rPr lang="uk-UA" sz="1900" kern="1200" dirty="0">
               <a:solidFill>
                 <a:schemeClr val="tx2">
-                  <a:lumMod val="60000"/>
-                  <a:lumOff val="40000"/>
+                  <a:lumMod val="75000"/>
                 </a:schemeClr>
               </a:solidFill>
             </a:rPr>
@@ -8480,8 +8710,7 @@
           <a:endParaRPr lang="en-US" sz="1900" kern="1200" dirty="0">
             <a:solidFill>
               <a:schemeClr val="tx2">
-                <a:lumMod val="60000"/>
-                <a:lumOff val="40000"/>
+                <a:lumMod val="75000"/>
               </a:schemeClr>
             </a:solidFill>
           </a:endParaRPr>
@@ -8537,7 +8766,7 @@
         </a:bodyPr>
         <a:lstStyle/>
         <a:p>
-          <a:pPr marL="0" lvl="0" indent="0" algn="ctr" defTabSz="844550">
+          <a:pPr lvl="0" algn="ctr" defTabSz="844550">
             <a:lnSpc>
               <a:spcPct val="90000"/>
             </a:lnSpc>
@@ -8547,14 +8776,12 @@
             <a:spcAft>
               <a:spcPct val="35000"/>
             </a:spcAft>
-            <a:buNone/>
           </a:pPr>
           <a:r>
             <a:rPr lang="uk-UA" sz="1900" kern="1200" dirty="0">
               <a:solidFill>
                 <a:schemeClr val="tx2">
-                  <a:lumMod val="60000"/>
-                  <a:lumOff val="40000"/>
+                  <a:lumMod val="75000"/>
                 </a:schemeClr>
               </a:solidFill>
             </a:rPr>
@@ -8563,8 +8790,7 @@
           <a:endParaRPr lang="en-US" sz="1900" kern="1200" dirty="0">
             <a:solidFill>
               <a:schemeClr val="tx2">
-                <a:lumMod val="60000"/>
-                <a:lumOff val="40000"/>
+                <a:lumMod val="75000"/>
               </a:schemeClr>
             </a:solidFill>
           </a:endParaRPr>
@@ -8643,7 +8869,7 @@
         </a:bodyPr>
         <a:lstStyle/>
         <a:p>
-          <a:pPr marL="0" lvl="0" indent="0" algn="ctr" defTabSz="2400300">
+          <a:pPr lvl="0" algn="ctr" defTabSz="2400300">
             <a:lnSpc>
               <a:spcPct val="90000"/>
             </a:lnSpc>
@@ -8653,7 +8879,6 @@
             <a:spcAft>
               <a:spcPct val="35000"/>
             </a:spcAft>
-            <a:buNone/>
           </a:pPr>
           <a:r>
             <a:rPr lang="uk-UA" sz="5400" kern="1200" dirty="0"/>
@@ -8723,7 +8948,7 @@
         </a:bodyPr>
         <a:lstStyle/>
         <a:p>
-          <a:pPr marL="0" lvl="0" indent="0" algn="ctr" defTabSz="1866900">
+          <a:pPr lvl="0" algn="ctr" defTabSz="1866900">
             <a:lnSpc>
               <a:spcPct val="90000"/>
             </a:lnSpc>
@@ -8733,7 +8958,6 @@
             <a:spcAft>
               <a:spcPct val="35000"/>
             </a:spcAft>
-            <a:buNone/>
           </a:pPr>
           <a:r>
             <a:rPr lang="uk-UA" sz="4200" kern="1200" dirty="0"/>
@@ -8803,7 +9027,7 @@
         </a:bodyPr>
         <a:lstStyle/>
         <a:p>
-          <a:pPr marL="0" lvl="0" indent="0" algn="ctr" defTabSz="1866900">
+          <a:pPr lvl="0" algn="ctr" defTabSz="1866900">
             <a:lnSpc>
               <a:spcPct val="90000"/>
             </a:lnSpc>
@@ -8813,7 +9037,6 @@
             <a:spcAft>
               <a:spcPct val="35000"/>
             </a:spcAft>
-            <a:buNone/>
           </a:pPr>
           <a:r>
             <a:rPr lang="uk-UA" sz="4200" kern="1200" dirty="0"/>
@@ -8883,7 +9106,7 @@
         </a:bodyPr>
         <a:lstStyle/>
         <a:p>
-          <a:pPr marL="0" lvl="0" indent="0" algn="ctr" defTabSz="1866900">
+          <a:pPr lvl="0" algn="ctr" defTabSz="1866900">
             <a:lnSpc>
               <a:spcPct val="90000"/>
             </a:lnSpc>
@@ -8893,7 +9116,6 @@
             <a:spcAft>
               <a:spcPct val="35000"/>
             </a:spcAft>
-            <a:buNone/>
           </a:pPr>
           <a:r>
             <a:rPr lang="uk-UA" sz="4200" kern="1200" dirty="0"/>
@@ -8963,7 +9185,7 @@
         </a:bodyPr>
         <a:lstStyle/>
         <a:p>
-          <a:pPr marL="0" lvl="0" indent="0" algn="ctr" defTabSz="1866900">
+          <a:pPr lvl="0" algn="ctr" defTabSz="1866900">
             <a:lnSpc>
               <a:spcPct val="90000"/>
             </a:lnSpc>
@@ -8973,7 +9195,6 @@
             <a:spcAft>
               <a:spcPct val="35000"/>
             </a:spcAft>
-            <a:buNone/>
           </a:pPr>
           <a:r>
             <a:rPr lang="uk-UA" sz="4200" kern="1200" dirty="0"/>
@@ -9055,7 +9276,7 @@
         </a:bodyPr>
         <a:lstStyle/>
         <a:p>
-          <a:pPr marL="0" lvl="0" indent="0" algn="ctr" defTabSz="1555750">
+          <a:pPr lvl="0" algn="ctr" defTabSz="1555750">
             <a:lnSpc>
               <a:spcPct val="90000"/>
             </a:lnSpc>
@@ -9065,7 +9286,6 @@
             <a:spcAft>
               <a:spcPct val="35000"/>
             </a:spcAft>
-            <a:buNone/>
           </a:pPr>
           <a:r>
             <a:rPr lang="uk-UA" sz="3500" kern="1200" dirty="0"/>
@@ -14719,7 +14939,7 @@
           <a:p>
             <a:fld id="{A67D6B7F-BBA1-4985-A59F-02D8EAD08401}" type="datetimeFigureOut">
               <a:rPr lang="en-US" smtClean="0"/>
-              <a:t>1/9/2019</a:t>
+              <a:t>1/10/2019</a:t>
             </a:fld>
             <a:endParaRPr lang="en-US"/>
           </a:p>
@@ -16642,6 +16862,18 @@
           <a:lstStyle/>
           <a:p>
             <a:pPr algn="ctr"/>
+            <a:r>
+              <a:rPr lang="uk-UA" dirty="0" err="1" smtClean="0"/>
+              <a:t>Ізотов</a:t>
+            </a:r>
+            <a:r>
+              <a:rPr lang="uk-UA" baseline="0" dirty="0" smtClean="0"/>
+              <a:t> Євгеній </a:t>
+            </a:r>
+            <a:r>
+              <a:rPr lang="uk-UA" baseline="0" smtClean="0"/>
+              <a:t>Олександрович СКСм-17-2</a:t>
+            </a:r>
             <a:endParaRPr lang="en-US" dirty="0"/>
           </a:p>
         </p:txBody>
@@ -17117,7 +17349,7 @@
           <a:p>
             <a:fld id="{B4C71EC6-210F-42DE-9C53-41977AD35B3D}" type="datetimeFigureOut">
               <a:rPr lang="ru-RU" smtClean="0"/>
-              <a:t>09.01.2019</a:t>
+              <a:t>10.01.2019</a:t>
             </a:fld>
             <a:endParaRPr lang="ru-RU"/>
           </a:p>
@@ -17297,7 +17529,7 @@
           <a:p>
             <a:fld id="{B4C71EC6-210F-42DE-9C53-41977AD35B3D}" type="datetimeFigureOut">
               <a:rPr lang="ru-RU" smtClean="0"/>
-              <a:t>09.01.2019</a:t>
+              <a:t>10.01.2019</a:t>
             </a:fld>
             <a:endParaRPr lang="ru-RU"/>
           </a:p>
@@ -17534,7 +17766,7 @@
           <a:p>
             <a:fld id="{CEF3612D-3DB5-4330-A9A2-8E62826B7E36}" type="datetimeFigureOut">
               <a:rPr lang="en-US" smtClean="0"/>
-              <a:t>1/9/2019</a:t>
+              <a:t>1/10/2019</a:t>
             </a:fld>
             <a:endParaRPr lang="en-US"/>
           </a:p>
@@ -17704,7 +17936,7 @@
           <a:p>
             <a:fld id="{CEF3612D-3DB5-4330-A9A2-8E62826B7E36}" type="datetimeFigureOut">
               <a:rPr lang="en-US" smtClean="0"/>
-              <a:t>1/9/2019</a:t>
+              <a:t>1/10/2019</a:t>
             </a:fld>
             <a:endParaRPr lang="en-US"/>
           </a:p>
@@ -17950,7 +18182,7 @@
           <a:p>
             <a:fld id="{CEF3612D-3DB5-4330-A9A2-8E62826B7E36}" type="datetimeFigureOut">
               <a:rPr lang="en-US" smtClean="0"/>
-              <a:t>1/9/2019</a:t>
+              <a:t>1/10/2019</a:t>
             </a:fld>
             <a:endParaRPr lang="en-US"/>
           </a:p>
@@ -18238,7 +18470,7 @@
           <a:p>
             <a:fld id="{CEF3612D-3DB5-4330-A9A2-8E62826B7E36}" type="datetimeFigureOut">
               <a:rPr lang="en-US" smtClean="0"/>
-              <a:t>1/9/2019</a:t>
+              <a:t>1/10/2019</a:t>
             </a:fld>
             <a:endParaRPr lang="en-US"/>
           </a:p>
@@ -18660,7 +18892,7 @@
           <a:p>
             <a:fld id="{CEF3612D-3DB5-4330-A9A2-8E62826B7E36}" type="datetimeFigureOut">
               <a:rPr lang="en-US" smtClean="0"/>
-              <a:t>1/9/2019</a:t>
+              <a:t>1/10/2019</a:t>
             </a:fld>
             <a:endParaRPr lang="en-US"/>
           </a:p>
@@ -18778,7 +19010,7 @@
           <a:p>
             <a:fld id="{CEF3612D-3DB5-4330-A9A2-8E62826B7E36}" type="datetimeFigureOut">
               <a:rPr lang="en-US" smtClean="0"/>
-              <a:t>1/9/2019</a:t>
+              <a:t>1/10/2019</a:t>
             </a:fld>
             <a:endParaRPr lang="en-US"/>
           </a:p>
@@ -18873,7 +19105,7 @@
           <a:p>
             <a:fld id="{CEF3612D-3DB5-4330-A9A2-8E62826B7E36}" type="datetimeFigureOut">
               <a:rPr lang="en-US" smtClean="0"/>
-              <a:t>1/9/2019</a:t>
+              <a:t>1/10/2019</a:t>
             </a:fld>
             <a:endParaRPr lang="en-US"/>
           </a:p>
@@ -19150,7 +19382,7 @@
           <a:p>
             <a:fld id="{CEF3612D-3DB5-4330-A9A2-8E62826B7E36}" type="datetimeFigureOut">
               <a:rPr lang="en-US" smtClean="0"/>
-              <a:t>1/9/2019</a:t>
+              <a:t>1/10/2019</a:t>
             </a:fld>
             <a:endParaRPr lang="en-US"/>
           </a:p>
@@ -19245,7 +19477,7 @@
           <a:p>
             <a:fld id="{B4C71EC6-210F-42DE-9C53-41977AD35B3D}" type="datetimeFigureOut">
               <a:rPr lang="ru-RU" smtClean="0"/>
-              <a:t>09.01.2019</a:t>
+              <a:t>10.01.2019</a:t>
             </a:fld>
             <a:endParaRPr lang="ru-RU"/>
           </a:p>
@@ -19573,7 +19805,7 @@
           <a:p>
             <a:fld id="{CEF3612D-3DB5-4330-A9A2-8E62826B7E36}" type="datetimeFigureOut">
               <a:rPr lang="en-US" smtClean="0"/>
-              <a:t>1/9/2019</a:t>
+              <a:t>1/10/2019</a:t>
             </a:fld>
             <a:endParaRPr lang="en-US"/>
           </a:p>
@@ -19743,7 +19975,7 @@
           <a:p>
             <a:fld id="{CEF3612D-3DB5-4330-A9A2-8E62826B7E36}" type="datetimeFigureOut">
               <a:rPr lang="en-US" smtClean="0"/>
-              <a:t>1/9/2019</a:t>
+              <a:t>1/10/2019</a:t>
             </a:fld>
             <a:endParaRPr lang="en-US"/>
           </a:p>
@@ -19923,7 +20155,7 @@
           <a:p>
             <a:fld id="{CEF3612D-3DB5-4330-A9A2-8E62826B7E36}" type="datetimeFigureOut">
               <a:rPr lang="en-US" smtClean="0"/>
-              <a:t>1/9/2019</a:t>
+              <a:t>1/10/2019</a:t>
             </a:fld>
             <a:endParaRPr lang="en-US"/>
           </a:p>
@@ -20437,7 +20669,7 @@
           <a:p>
             <a:fld id="{B4C71EC6-210F-42DE-9C53-41977AD35B3D}" type="datetimeFigureOut">
               <a:rPr lang="ru-RU" smtClean="0"/>
-              <a:t>09.01.2019</a:t>
+              <a:t>10.01.2019</a:t>
             </a:fld>
             <a:endParaRPr lang="ru-RU"/>
           </a:p>
@@ -20527,7 +20759,7 @@
           <a:p>
             <a:fld id="{B4C71EC6-210F-42DE-9C53-41977AD35B3D}" type="datetimeFigureOut">
               <a:rPr lang="ru-RU" smtClean="0"/>
-              <a:t>09.01.2019</a:t>
+              <a:t>10.01.2019</a:t>
             </a:fld>
             <a:endParaRPr lang="ru-RU"/>
           </a:p>
@@ -21125,7 +21357,7 @@
           <a:p>
             <a:fld id="{B4C71EC6-210F-42DE-9C53-41977AD35B3D}" type="datetimeFigureOut">
               <a:rPr lang="ru-RU" smtClean="0"/>
-              <a:t>09.01.2019</a:t>
+              <a:t>10.01.2019</a:t>
             </a:fld>
             <a:endParaRPr lang="ru-RU"/>
           </a:p>
@@ -21261,7 +21493,7 @@
           <a:p>
             <a:fld id="{B4C71EC6-210F-42DE-9C53-41977AD35B3D}" type="datetimeFigureOut">
               <a:rPr lang="ru-RU" smtClean="0"/>
-              <a:t>09.01.2019</a:t>
+              <a:t>10.01.2019</a:t>
             </a:fld>
             <a:endParaRPr lang="ru-RU"/>
           </a:p>
@@ -21351,7 +21583,7 @@
           <a:p>
             <a:fld id="{B4C71EC6-210F-42DE-9C53-41977AD35B3D}" type="datetimeFigureOut">
               <a:rPr lang="ru-RU" smtClean="0"/>
-              <a:t>09.01.2019</a:t>
+              <a:t>10.01.2019</a:t>
             </a:fld>
             <a:endParaRPr lang="ru-RU"/>
           </a:p>
@@ -21628,7 +21860,7 @@
           <a:p>
             <a:fld id="{B4C71EC6-210F-42DE-9C53-41977AD35B3D}" type="datetimeFigureOut">
               <a:rPr lang="ru-RU" smtClean="0"/>
-              <a:t>09.01.2019</a:t>
+              <a:t>10.01.2019</a:t>
             </a:fld>
             <a:endParaRPr lang="ru-RU"/>
           </a:p>
@@ -22143,7 +22375,7 @@
           <a:p>
             <a:fld id="{B4C71EC6-210F-42DE-9C53-41977AD35B3D}" type="datetimeFigureOut">
               <a:rPr lang="ru-RU" smtClean="0"/>
-              <a:t>09.01.2019</a:t>
+              <a:t>10.01.2019</a:t>
             </a:fld>
             <a:endParaRPr lang="ru-RU"/>
           </a:p>
@@ -22656,7 +22888,7 @@
           <a:p>
             <a:fld id="{B4C71EC6-210F-42DE-9C53-41977AD35B3D}" type="datetimeFigureOut">
               <a:rPr lang="ru-RU" smtClean="0"/>
-              <a:t>09.01.2019</a:t>
+              <a:t>10.01.2019</a:t>
             </a:fld>
             <a:endParaRPr lang="ru-RU"/>
           </a:p>
@@ -23353,7 +23585,7 @@
           <a:p>
             <a:fld id="{CEF3612D-3DB5-4330-A9A2-8E62826B7E36}" type="datetimeFigureOut">
               <a:rPr lang="en-US" smtClean="0"/>
-              <a:t>1/9/2019</a:t>
+              <a:t>1/10/2019</a:t>
             </a:fld>
             <a:endParaRPr lang="en-US"/>
           </a:p>
@@ -23804,7 +24036,7 @@
               <a:t>Магіст</a:t>
             </a:r>
             <a:r>
-              <a:rPr lang="ru-UA" dirty="0">
+              <a:rPr lang="x-none" dirty="0">
                 <a:solidFill>
                   <a:schemeClr val="tx2">
                     <a:lumMod val="75000"/>
@@ -24194,7 +24426,7 @@
           <p:cNvPr id="7" name="Rectangle 1">
             <a:extLst>
               <a:ext uri="{FF2B5EF4-FFF2-40B4-BE49-F238E27FC236}">
-                <a16:creationId xmlns:a16="http://schemas.microsoft.com/office/drawing/2014/main" id="{F1B72598-68ED-4519-94E7-DFBD8C342790}"/>
+                <a16:creationId xmlns:a16="http://schemas.microsoft.com/office/drawing/2014/main" xmlns="" id="{F1B72598-68ED-4519-94E7-DFBD8C342790}"/>
               </a:ext>
             </a:extLst>
           </p:cNvPr>
@@ -24341,7 +24573,7 @@
           <p:cNvPr id="6" name="Rectangle 1">
             <a:extLst>
               <a:ext uri="{FF2B5EF4-FFF2-40B4-BE49-F238E27FC236}">
-                <a16:creationId xmlns:a16="http://schemas.microsoft.com/office/drawing/2014/main" id="{F1B72598-68ED-4519-94E7-DFBD8C342790}"/>
+                <a16:creationId xmlns:a16="http://schemas.microsoft.com/office/drawing/2014/main" xmlns="" id="{F1B72598-68ED-4519-94E7-DFBD8C342790}"/>
               </a:ext>
             </a:extLst>
           </p:cNvPr>
@@ -24430,7 +24662,7 @@
           <p:cNvPr id="5" name="Rectangle 1">
             <a:extLst>
               <a:ext uri="{FF2B5EF4-FFF2-40B4-BE49-F238E27FC236}">
-                <a16:creationId xmlns:a16="http://schemas.microsoft.com/office/drawing/2014/main" id="{FB818DAE-7E46-4DB9-9D8C-CE3496B8B654}"/>
+                <a16:creationId xmlns:a16="http://schemas.microsoft.com/office/drawing/2014/main" xmlns="" id="{FB818DAE-7E46-4DB9-9D8C-CE3496B8B654}"/>
               </a:ext>
             </a:extLst>
           </p:cNvPr>
@@ -24466,7 +24698,7 @@
           <p:cNvPr id="7" name="Picture 2">
             <a:extLst>
               <a:ext uri="{FF2B5EF4-FFF2-40B4-BE49-F238E27FC236}">
-                <a16:creationId xmlns:a16="http://schemas.microsoft.com/office/drawing/2014/main" id="{6262819E-1858-4821-9678-D258F15DB9C3}"/>
+                <a16:creationId xmlns:a16="http://schemas.microsoft.com/office/drawing/2014/main" xmlns="" id="{6262819E-1858-4821-9678-D258F15DB9C3}"/>
               </a:ext>
             </a:extLst>
           </p:cNvPr>
@@ -24579,7 +24811,7 @@
           <p:cNvPr id="6" name="Rectangle 1">
             <a:extLst>
               <a:ext uri="{FF2B5EF4-FFF2-40B4-BE49-F238E27FC236}">
-                <a16:creationId xmlns:a16="http://schemas.microsoft.com/office/drawing/2014/main" id="{92CF30F5-085E-42A6-B486-415230ED0CCF}"/>
+                <a16:creationId xmlns:a16="http://schemas.microsoft.com/office/drawing/2014/main" xmlns="" id="{92CF30F5-085E-42A6-B486-415230ED0CCF}"/>
               </a:ext>
             </a:extLst>
           </p:cNvPr>
@@ -24615,7 +24847,7 @@
           <p:cNvPr id="8" name="Picture 6">
             <a:extLst>
               <a:ext uri="{FF2B5EF4-FFF2-40B4-BE49-F238E27FC236}">
-                <a16:creationId xmlns:a16="http://schemas.microsoft.com/office/drawing/2014/main" id="{4B8709AD-1800-415E-85F0-02BB988FAC7A}"/>
+                <a16:creationId xmlns:a16="http://schemas.microsoft.com/office/drawing/2014/main" xmlns="" id="{4B8709AD-1800-415E-85F0-02BB988FAC7A}"/>
               </a:ext>
             </a:extLst>
           </p:cNvPr>
@@ -24675,7 +24907,7 @@
           <p:cNvPr id="9" name="Picture 7">
             <a:extLst>
               <a:ext uri="{FF2B5EF4-FFF2-40B4-BE49-F238E27FC236}">
-                <a16:creationId xmlns:a16="http://schemas.microsoft.com/office/drawing/2014/main" id="{D8C0752A-BD52-49A1-B9C1-07230F53FF85}"/>
+                <a16:creationId xmlns:a16="http://schemas.microsoft.com/office/drawing/2014/main" xmlns="" id="{D8C0752A-BD52-49A1-B9C1-07230F53FF85}"/>
               </a:ext>
             </a:extLst>
           </p:cNvPr>
@@ -24735,7 +24967,7 @@
           <p:cNvPr id="10" name="Стрелка вниз 2">
             <a:extLst>
               <a:ext uri="{FF2B5EF4-FFF2-40B4-BE49-F238E27FC236}">
-                <a16:creationId xmlns:a16="http://schemas.microsoft.com/office/drawing/2014/main" id="{FD02392A-00E3-4057-B779-C58625714C9F}"/>
+                <a16:creationId xmlns:a16="http://schemas.microsoft.com/office/drawing/2014/main" xmlns="" id="{FD02392A-00E3-4057-B779-C58625714C9F}"/>
               </a:ext>
             </a:extLst>
           </p:cNvPr>
@@ -24834,7 +25066,7 @@
           <p:cNvPr id="6" name="Rectangle 1">
             <a:extLst>
               <a:ext uri="{FF2B5EF4-FFF2-40B4-BE49-F238E27FC236}">
-                <a16:creationId xmlns:a16="http://schemas.microsoft.com/office/drawing/2014/main" id="{F1B72598-68ED-4519-94E7-DFBD8C342790}"/>
+                <a16:creationId xmlns:a16="http://schemas.microsoft.com/office/drawing/2014/main" xmlns="" id="{F1B72598-68ED-4519-94E7-DFBD8C342790}"/>
               </a:ext>
             </a:extLst>
           </p:cNvPr>
@@ -24937,7 +25169,7 @@
       </p:pic>
       <p:pic>
         <p:nvPicPr>
-          <p:cNvPr id="1026" name="Рисунок 1"/>
+          <p:cNvPr id="4099" name="Picture 3"/>
           <p:cNvPicPr>
             <a:picLocks noChangeAspect="1" noChangeArrowheads="1"/>
           </p:cNvPicPr>
@@ -24958,8 +25190,8 @@
         </p:blipFill>
         <p:spPr bwMode="auto">
           <a:xfrm>
-            <a:off x="1012614" y="2924944"/>
-            <a:ext cx="7140407" cy="2808312"/>
+            <a:off x="1381860" y="2996952"/>
+            <a:ext cx="6401916" cy="2735862"/>
           </a:xfrm>
           <a:prstGeom prst="rect">
             <a:avLst/>
@@ -24972,14 +25204,14 @@
             <a:ext uri="{909E8E84-426E-40DD-AFC4-6F175D3DCCD1}">
               <a14:hiddenFill xmlns:a14="http://schemas.microsoft.com/office/drawing/2010/main">
                 <a:solidFill>
-                  <a:srgbClr val="FFFFFF"/>
+                  <a:schemeClr val="accent1"/>
                 </a:solidFill>
               </a14:hiddenFill>
             </a:ext>
             <a:ext uri="{91240B29-F687-4F45-9708-019B960494DF}">
               <a14:hiddenLine xmlns:a14="http://schemas.microsoft.com/office/drawing/2010/main" w="9525">
                 <a:solidFill>
-                  <a:srgbClr val="000000"/>
+                  <a:schemeClr val="tx1"/>
                 </a:solidFill>
                 <a:miter lim="800000"/>
                 <a:headEnd/>
@@ -25047,7 +25279,7 @@
           <p:cNvPr id="6" name="Rectangle 1">
             <a:extLst>
               <a:ext uri="{FF2B5EF4-FFF2-40B4-BE49-F238E27FC236}">
-                <a16:creationId xmlns:a16="http://schemas.microsoft.com/office/drawing/2014/main" id="{F1B72598-68ED-4519-94E7-DFBD8C342790}"/>
+                <a16:creationId xmlns:a16="http://schemas.microsoft.com/office/drawing/2014/main" xmlns="" id="{F1B72598-68ED-4519-94E7-DFBD8C342790}"/>
               </a:ext>
             </a:extLst>
           </p:cNvPr>
@@ -25236,7 +25468,7 @@
           <p:cNvPr id="9" name="Rectangle 1">
             <a:extLst>
               <a:ext uri="{FF2B5EF4-FFF2-40B4-BE49-F238E27FC236}">
-                <a16:creationId xmlns:a16="http://schemas.microsoft.com/office/drawing/2014/main" id="{F1B72598-68ED-4519-94E7-DFBD8C342790}"/>
+                <a16:creationId xmlns:a16="http://schemas.microsoft.com/office/drawing/2014/main" xmlns="" id="{F1B72598-68ED-4519-94E7-DFBD8C342790}"/>
               </a:ext>
             </a:extLst>
           </p:cNvPr>
@@ -25336,7 +25568,7 @@
       </p:pic>
       <p:pic>
         <p:nvPicPr>
-          <p:cNvPr id="2050" name="Рисунок 1"/>
+          <p:cNvPr id="3074" name="Picture 2"/>
           <p:cNvPicPr>
             <a:picLocks noChangeAspect="1" noChangeArrowheads="1"/>
           </p:cNvPicPr>
@@ -25357,8 +25589,8 @@
         </p:blipFill>
         <p:spPr bwMode="auto">
           <a:xfrm>
-            <a:off x="3491880" y="2663425"/>
-            <a:ext cx="5473700" cy="2251075"/>
+            <a:off x="3635896" y="2478866"/>
+            <a:ext cx="5017166" cy="2620193"/>
           </a:xfrm>
           <a:prstGeom prst="rect">
             <a:avLst/>
@@ -25371,14 +25603,14 @@
             <a:ext uri="{909E8E84-426E-40DD-AFC4-6F175D3DCCD1}">
               <a14:hiddenFill xmlns:a14="http://schemas.microsoft.com/office/drawing/2010/main">
                 <a:solidFill>
-                  <a:srgbClr val="FFFFFF"/>
+                  <a:schemeClr val="accent1"/>
                 </a:solidFill>
               </a14:hiddenFill>
             </a:ext>
             <a:ext uri="{91240B29-F687-4F45-9708-019B960494DF}">
               <a14:hiddenLine xmlns:a14="http://schemas.microsoft.com/office/drawing/2010/main" w="9525">
                 <a:solidFill>
-                  <a:srgbClr val="000000"/>
+                  <a:schemeClr val="tx1"/>
                 </a:solidFill>
                 <a:miter lim="800000"/>
                 <a:headEnd/>
@@ -25446,7 +25678,7 @@
           <p:cNvPr id="6" name="Rectangle 1">
             <a:extLst>
               <a:ext uri="{FF2B5EF4-FFF2-40B4-BE49-F238E27FC236}">
-                <a16:creationId xmlns:a16="http://schemas.microsoft.com/office/drawing/2014/main" id="{F1B72598-68ED-4519-94E7-DFBD8C342790}"/>
+                <a16:creationId xmlns:a16="http://schemas.microsoft.com/office/drawing/2014/main" xmlns="" id="{F1B72598-68ED-4519-94E7-DFBD8C342790}"/>
               </a:ext>
             </a:extLst>
           </p:cNvPr>
@@ -25708,7 +25940,7 @@
           <p:cNvPr id="6" name="TextBox 5">
             <a:extLst>
               <a:ext uri="{FF2B5EF4-FFF2-40B4-BE49-F238E27FC236}">
-                <a16:creationId xmlns:a16="http://schemas.microsoft.com/office/drawing/2014/main" id="{7DF80E7B-7BB4-4BBD-A9F1-014FA4A5D284}"/>
+                <a16:creationId xmlns:a16="http://schemas.microsoft.com/office/drawing/2014/main" xmlns="" id="{7DF80E7B-7BB4-4BBD-A9F1-014FA4A5D284}"/>
               </a:ext>
             </a:extLst>
           </p:cNvPr>
@@ -25893,7 +26125,7 @@
           <p:cNvPr id="2" name="TextBox 1">
             <a:extLst>
               <a:ext uri="{FF2B5EF4-FFF2-40B4-BE49-F238E27FC236}">
-                <a16:creationId xmlns:a16="http://schemas.microsoft.com/office/drawing/2014/main" id="{2DB4237F-B098-440F-8C6A-0D899AEBAFE0}"/>
+                <a16:creationId xmlns:a16="http://schemas.microsoft.com/office/drawing/2014/main" xmlns="" id="{2DB4237F-B098-440F-8C6A-0D899AEBAFE0}"/>
               </a:ext>
             </a:extLst>
           </p:cNvPr>
@@ -25942,7 +26174,7 @@
           <p:cNvPr id="4" name="TextBox 3">
             <a:extLst>
               <a:ext uri="{FF2B5EF4-FFF2-40B4-BE49-F238E27FC236}">
-                <a16:creationId xmlns:a16="http://schemas.microsoft.com/office/drawing/2014/main" id="{8A91AE6F-CA54-428C-9EB4-4BF51F34255F}"/>
+                <a16:creationId xmlns:a16="http://schemas.microsoft.com/office/drawing/2014/main" xmlns="" id="{8A91AE6F-CA54-428C-9EB4-4BF51F34255F}"/>
               </a:ext>
             </a:extLst>
           </p:cNvPr>
@@ -25985,7 +26217,7 @@
           <p:cNvPr id="6" name="TextBox 5">
             <a:extLst>
               <a:ext uri="{FF2B5EF4-FFF2-40B4-BE49-F238E27FC236}">
-                <a16:creationId xmlns:a16="http://schemas.microsoft.com/office/drawing/2014/main" id="{BAEEC847-5982-4652-AEE3-B9871717BDA0}"/>
+                <a16:creationId xmlns:a16="http://schemas.microsoft.com/office/drawing/2014/main" xmlns="" id="{BAEEC847-5982-4652-AEE3-B9871717BDA0}"/>
               </a:ext>
             </a:extLst>
           </p:cNvPr>
@@ -26177,7 +26409,7 @@
           <p:cNvPr id="6" name="TextBox 5">
             <a:extLst>
               <a:ext uri="{FF2B5EF4-FFF2-40B4-BE49-F238E27FC236}">
-                <a16:creationId xmlns:a16="http://schemas.microsoft.com/office/drawing/2014/main" id="{5EA7F047-9C02-467C-ADF4-D2162DCB3270}"/>
+                <a16:creationId xmlns:a16="http://schemas.microsoft.com/office/drawing/2014/main" xmlns="" id="{5EA7F047-9C02-467C-ADF4-D2162DCB3270}"/>
               </a:ext>
             </a:extLst>
           </p:cNvPr>
@@ -26269,7 +26501,7 @@
           <p:cNvPr id="12" name="Diagram 11">
             <a:extLst>
               <a:ext uri="{FF2B5EF4-FFF2-40B4-BE49-F238E27FC236}">
-                <a16:creationId xmlns:a16="http://schemas.microsoft.com/office/drawing/2014/main" id="{72E5D137-776B-4E26-B4D7-F2CE3AA05CE3}"/>
+                <a16:creationId xmlns:a16="http://schemas.microsoft.com/office/drawing/2014/main" xmlns="" id="{72E5D137-776B-4E26-B4D7-F2CE3AA05CE3}"/>
               </a:ext>
             </a:extLst>
           </p:cNvPr>
@@ -26350,7 +26582,7 @@
           <p:cNvPr id="6" name="Title 1">
             <a:extLst>
               <a:ext uri="{FF2B5EF4-FFF2-40B4-BE49-F238E27FC236}">
-                <a16:creationId xmlns:a16="http://schemas.microsoft.com/office/drawing/2014/main" id="{C0EF9D37-26CA-46F0-8C98-09B4CC77896D}"/>
+                <a16:creationId xmlns:a16="http://schemas.microsoft.com/office/drawing/2014/main" xmlns="" id="{C0EF9D37-26CA-46F0-8C98-09B4CC77896D}"/>
               </a:ext>
             </a:extLst>
           </p:cNvPr>
@@ -26424,7 +26656,7 @@
           <p:cNvPr id="7" name="Diagram 6">
             <a:extLst>
               <a:ext uri="{FF2B5EF4-FFF2-40B4-BE49-F238E27FC236}">
-                <a16:creationId xmlns:a16="http://schemas.microsoft.com/office/drawing/2014/main" id="{AC251023-1C64-4D8E-B026-B3A940CAB60E}"/>
+                <a16:creationId xmlns:a16="http://schemas.microsoft.com/office/drawing/2014/main" xmlns="" id="{AC251023-1C64-4D8E-B026-B3A940CAB60E}"/>
               </a:ext>
             </a:extLst>
           </p:cNvPr>
@@ -26432,7 +26664,7 @@
           <p:nvPr>
             <p:extLst>
               <p:ext uri="{D42A27DB-BD31-4B8C-83A1-F6EECF244321}">
-                <p14:modId xmlns:p14="http://schemas.microsoft.com/office/powerpoint/2010/main" val="3121157105"/>
+                <p14:modId xmlns:p14="http://schemas.microsoft.com/office/powerpoint/2010/main" val="3071544563"/>
               </p:ext>
             </p:extLst>
           </p:nvPr>
@@ -26505,7 +26737,7 @@
           <p:cNvPr id="2" name="TextBox 1">
             <a:extLst>
               <a:ext uri="{FF2B5EF4-FFF2-40B4-BE49-F238E27FC236}">
-                <a16:creationId xmlns:a16="http://schemas.microsoft.com/office/drawing/2014/main" id="{713386F5-5406-4E26-AE85-05911A8FD272}"/>
+                <a16:creationId xmlns:a16="http://schemas.microsoft.com/office/drawing/2014/main" xmlns="" id="{713386F5-5406-4E26-AE85-05911A8FD272}"/>
               </a:ext>
             </a:extLst>
           </p:cNvPr>
@@ -28346,7 +28578,7 @@
           <p:cNvPr id="6" name="Title 1">
             <a:extLst>
               <a:ext uri="{FF2B5EF4-FFF2-40B4-BE49-F238E27FC236}">
-                <a16:creationId xmlns:a16="http://schemas.microsoft.com/office/drawing/2014/main" id="{C0EF9D37-26CA-46F0-8C98-09B4CC77896D}"/>
+                <a16:creationId xmlns:a16="http://schemas.microsoft.com/office/drawing/2014/main" xmlns="" id="{C0EF9D37-26CA-46F0-8C98-09B4CC77896D}"/>
               </a:ext>
             </a:extLst>
           </p:cNvPr>
@@ -28457,7 +28689,7 @@
           <p:cNvPr id="6" name="Title 1">
             <a:extLst>
               <a:ext uri="{FF2B5EF4-FFF2-40B4-BE49-F238E27FC236}">
-                <a16:creationId xmlns:a16="http://schemas.microsoft.com/office/drawing/2014/main" id="{C0EF9D37-26CA-46F0-8C98-09B4CC77896D}"/>
+                <a16:creationId xmlns:a16="http://schemas.microsoft.com/office/drawing/2014/main" xmlns="" id="{C0EF9D37-26CA-46F0-8C98-09B4CC77896D}"/>
               </a:ext>
             </a:extLst>
           </p:cNvPr>
@@ -28515,7 +28747,7 @@
           <p:cNvPr id="3" name="Object 2">
             <a:extLst>
               <a:ext uri="{FF2B5EF4-FFF2-40B4-BE49-F238E27FC236}">
-                <a16:creationId xmlns:a16="http://schemas.microsoft.com/office/drawing/2014/main" id="{6884365C-C5B2-4765-84DC-D62D39897597}"/>
+                <a16:creationId xmlns:a16="http://schemas.microsoft.com/office/drawing/2014/main" xmlns="" id="{6884365C-C5B2-4765-84DC-D62D39897597}"/>
               </a:ext>
             </a:extLst>
           </p:cNvPr>
@@ -28538,12 +28770,12 @@
           <a:graphicData uri="http://schemas.openxmlformats.org/presentationml/2006/ole">
             <mc:AlternateContent xmlns:mc="http://schemas.openxmlformats.org/markup-compatibility/2006">
               <mc:Choice xmlns:v="urn:schemas-microsoft-com:vml" Requires="v">
-                <p:oleObj spid="_x0000_s2053" name="Document" r:id="rId4" imgW="9934120" imgH="9142186" progId="Word.Document.8">
+                <p:oleObj spid="_x0000_s2054" name="Document" r:id="rId5" imgW="9934120" imgH="9142186" progId="Word.Document.8">
                   <p:embed/>
                 </p:oleObj>
               </mc:Choice>
               <mc:Fallback>
-                <p:oleObj name="Document" r:id="rId4" imgW="9934120" imgH="9142186" progId="Word.Document.8">
+                <p:oleObj name="Document" r:id="rId5" imgW="9934120" imgH="9142186" progId="Word.Document.8">
                   <p:embed/>
                   <p:pic>
                     <p:nvPicPr>
@@ -28552,7 +28784,7 @@
                       <p:nvPr/>
                     </p:nvPicPr>
                     <p:blipFill>
-                      <a:blip r:embed="rId5"/>
+                      <a:blip r:embed="rId6"/>
                       <a:stretch>
                         <a:fillRect/>
                       </a:stretch>
@@ -29033,7 +29265,7 @@
           <p:cNvPr id="6" name="Rectangle 1">
             <a:extLst>
               <a:ext uri="{FF2B5EF4-FFF2-40B4-BE49-F238E27FC236}">
-                <a16:creationId xmlns:a16="http://schemas.microsoft.com/office/drawing/2014/main" id="{F1B72598-68ED-4519-94E7-DFBD8C342790}"/>
+                <a16:creationId xmlns:a16="http://schemas.microsoft.com/office/drawing/2014/main" xmlns="" id="{F1B72598-68ED-4519-94E7-DFBD8C342790}"/>
               </a:ext>
             </a:extLst>
           </p:cNvPr>
@@ -29249,7 +29481,7 @@
           <p:cNvPr id="2" name="Rectangle 1">
             <a:extLst>
               <a:ext uri="{FF2B5EF4-FFF2-40B4-BE49-F238E27FC236}">
-                <a16:creationId xmlns:a16="http://schemas.microsoft.com/office/drawing/2014/main" id="{F1B72598-68ED-4519-94E7-DFBD8C342790}"/>
+                <a16:creationId xmlns:a16="http://schemas.microsoft.com/office/drawing/2014/main" xmlns="" id="{F1B72598-68ED-4519-94E7-DFBD8C342790}"/>
               </a:ext>
             </a:extLst>
           </p:cNvPr>
@@ -29297,7 +29529,7 @@
           <p:cNvPr id="3" name="Rectangle 2">
             <a:extLst>
               <a:ext uri="{FF2B5EF4-FFF2-40B4-BE49-F238E27FC236}">
-                <a16:creationId xmlns:a16="http://schemas.microsoft.com/office/drawing/2014/main" id="{DED222FF-E935-406B-BE80-EC51D81F3E91}"/>
+                <a16:creationId xmlns:a16="http://schemas.microsoft.com/office/drawing/2014/main" xmlns="" id="{DED222FF-E935-406B-BE80-EC51D81F3E91}"/>
               </a:ext>
             </a:extLst>
           </p:cNvPr>
@@ -29861,7 +30093,7 @@
           <p:cNvPr id="4" name="Rectangle 1">
             <a:extLst>
               <a:ext uri="{FF2B5EF4-FFF2-40B4-BE49-F238E27FC236}">
-                <a16:creationId xmlns:a16="http://schemas.microsoft.com/office/drawing/2014/main" id="{F1B72598-68ED-4519-94E7-DFBD8C342790}"/>
+                <a16:creationId xmlns:a16="http://schemas.microsoft.com/office/drawing/2014/main" xmlns="" id="{F1B72598-68ED-4519-94E7-DFBD8C342790}"/>
               </a:ext>
             </a:extLst>
           </p:cNvPr>
@@ -30781,7 +31013,7 @@
   <a:extraClrSchemeLst/>
   <a:extLst>
     <a:ext uri="{05A4C25C-085E-4340-85A3-A5531E510DB2}">
-      <thm15:themeFamily xmlns:thm15="http://schemas.microsoft.com/office/thememl/2012/main" name="Office Theme" id="{62F939B6-93AF-4DB8-9C6B-D6C7DFDC589F}" vid="{4A3C46E8-61CC-4603-A589-7422A47A8E4A}"/>
+      <thm15:themeFamily xmlns:thm15="http://schemas.microsoft.com/office/thememl/2012/main" xmlns="" name="Office Theme" id="{62F939B6-93AF-4DB8-9C6B-D6C7DFDC589F}" vid="{4A3C46E8-61CC-4603-A589-7422A47A8E4A}"/>
     </a:ext>
   </a:extLst>
 </a:theme>
